--- a/Presentation.pptx
+++ b/Presentation.pptx
@@ -4,13 +4,18 @@
   <p:sldMasterIdLst>
     <p:sldMasterId id="2147483648" r:id="rId1"/>
   </p:sldMasterIdLst>
+  <p:notesMasterIdLst>
+    <p:notesMasterId r:id="rId10"/>
+  </p:notesMasterIdLst>
   <p:sldIdLst>
     <p:sldId id="256" r:id="rId2"/>
     <p:sldId id="257" r:id="rId3"/>
-    <p:sldId id="258" r:id="rId4"/>
-    <p:sldId id="259" r:id="rId5"/>
-    <p:sldId id="260" r:id="rId6"/>
-    <p:sldId id="261" r:id="rId7"/>
+    <p:sldId id="262" r:id="rId4"/>
+    <p:sldId id="258" r:id="rId5"/>
+    <p:sldId id="259" r:id="rId6"/>
+    <p:sldId id="260" r:id="rId7"/>
+    <p:sldId id="265" r:id="rId8"/>
+    <p:sldId id="261" r:id="rId9"/>
   </p:sldIdLst>
   <p:sldSz cx="12192000" cy="6858000"/>
   <p:notesSz cx="6858000" cy="9144000"/>
@@ -109,7 +114,446 @@
       </a:defRPr>
     </a:lvl9pPr>
   </p:defaultTextStyle>
+  <p:extLst>
+    <p:ext uri="{EFAFB233-063F-42B5-8137-9DF3F51BA10A}">
+      <p15:sldGuideLst xmlns:p15="http://schemas.microsoft.com/office/powerpoint/2012/main"/>
+    </p:ext>
+  </p:extLst>
 </p:presentation>
+</file>
+
+<file path=ppt/notesMasters/notesMaster1.xml><?xml version="1.0" encoding="utf-8"?>
+<p:notesMaster xmlns:a="http://schemas.openxmlformats.org/drawingml/2006/main" xmlns:r="http://schemas.openxmlformats.org/officeDocument/2006/relationships" xmlns:p="http://schemas.openxmlformats.org/presentationml/2006/main">
+  <p:cSld>
+    <p:bg>
+      <p:bgRef idx="1001">
+        <a:schemeClr val="bg1"/>
+      </p:bgRef>
+    </p:bg>
+    <p:spTree>
+      <p:nvGrpSpPr>
+        <p:cNvPr id="1" name=""/>
+        <p:cNvGrpSpPr/>
+        <p:nvPr/>
+      </p:nvGrpSpPr>
+      <p:grpSpPr>
+        <a:xfrm>
+          <a:off x="0" y="0"/>
+          <a:ext cx="0" cy="0"/>
+          <a:chOff x="0" y="0"/>
+          <a:chExt cx="0" cy="0"/>
+        </a:xfrm>
+      </p:grpSpPr>
+      <p:sp>
+        <p:nvSpPr>
+          <p:cNvPr id="2" name="Header Placeholder 1"/>
+          <p:cNvSpPr>
+            <a:spLocks noGrp="1"/>
+          </p:cNvSpPr>
+          <p:nvPr>
+            <p:ph type="hdr" sz="quarter"/>
+          </p:nvPr>
+        </p:nvSpPr>
+        <p:spPr>
+          <a:xfrm>
+            <a:off x="0" y="0"/>
+            <a:ext cx="2971800" cy="458788"/>
+          </a:xfrm>
+          <a:prstGeom prst="rect">
+            <a:avLst/>
+          </a:prstGeom>
+        </p:spPr>
+        <p:txBody>
+          <a:bodyPr vert="horz" lIns="91440" tIns="45720" rIns="91440" bIns="45720" rtlCol="0"/>
+          <a:lstStyle>
+            <a:lvl1pPr algn="l">
+              <a:defRPr sz="1200"/>
+            </a:lvl1pPr>
+          </a:lstStyle>
+          <a:p>
+            <a:endParaRPr lang="en-US"/>
+          </a:p>
+        </p:txBody>
+      </p:sp>
+      <p:sp>
+        <p:nvSpPr>
+          <p:cNvPr id="3" name="Date Placeholder 2"/>
+          <p:cNvSpPr>
+            <a:spLocks noGrp="1"/>
+          </p:cNvSpPr>
+          <p:nvPr>
+            <p:ph type="dt" idx="1"/>
+          </p:nvPr>
+        </p:nvSpPr>
+        <p:spPr>
+          <a:xfrm>
+            <a:off x="3884613" y="0"/>
+            <a:ext cx="2971800" cy="458788"/>
+          </a:xfrm>
+          <a:prstGeom prst="rect">
+            <a:avLst/>
+          </a:prstGeom>
+        </p:spPr>
+        <p:txBody>
+          <a:bodyPr vert="horz" lIns="91440" tIns="45720" rIns="91440" bIns="45720" rtlCol="0"/>
+          <a:lstStyle>
+            <a:lvl1pPr algn="r">
+              <a:defRPr sz="1200"/>
+            </a:lvl1pPr>
+          </a:lstStyle>
+          <a:p>
+            <a:fld id="{B0331D99-290B-A741-8FFA-851C0A0C2A25}" type="datetimeFigureOut">
+              <a:rPr lang="en-US" smtClean="0"/>
+              <a:t>12/1/21</a:t>
+            </a:fld>
+            <a:endParaRPr lang="en-US"/>
+          </a:p>
+        </p:txBody>
+      </p:sp>
+      <p:sp>
+        <p:nvSpPr>
+          <p:cNvPr id="4" name="Slide Image Placeholder 3"/>
+          <p:cNvSpPr>
+            <a:spLocks noGrp="1" noRot="1" noChangeAspect="1"/>
+          </p:cNvSpPr>
+          <p:nvPr>
+            <p:ph type="sldImg" idx="2"/>
+          </p:nvPr>
+        </p:nvSpPr>
+        <p:spPr>
+          <a:xfrm>
+            <a:off x="685800" y="1143000"/>
+            <a:ext cx="5486400" cy="3086100"/>
+          </a:xfrm>
+          <a:prstGeom prst="rect">
+            <a:avLst/>
+          </a:prstGeom>
+          <a:noFill/>
+          <a:ln w="12700">
+            <a:solidFill>
+              <a:prstClr val="black"/>
+            </a:solidFill>
+          </a:ln>
+        </p:spPr>
+        <p:txBody>
+          <a:bodyPr vert="horz" lIns="91440" tIns="45720" rIns="91440" bIns="45720" rtlCol="0" anchor="ctr"/>
+          <a:lstStyle/>
+          <a:p>
+            <a:endParaRPr lang="en-US"/>
+          </a:p>
+        </p:txBody>
+      </p:sp>
+      <p:sp>
+        <p:nvSpPr>
+          <p:cNvPr id="5" name="Notes Placeholder 4"/>
+          <p:cNvSpPr>
+            <a:spLocks noGrp="1"/>
+          </p:cNvSpPr>
+          <p:nvPr>
+            <p:ph type="body" sz="quarter" idx="3"/>
+          </p:nvPr>
+        </p:nvSpPr>
+        <p:spPr>
+          <a:xfrm>
+            <a:off x="685800" y="4400550"/>
+            <a:ext cx="5486400" cy="3600450"/>
+          </a:xfrm>
+          <a:prstGeom prst="rect">
+            <a:avLst/>
+          </a:prstGeom>
+        </p:spPr>
+        <p:txBody>
+          <a:bodyPr vert="horz" lIns="91440" tIns="45720" rIns="91440" bIns="45720" rtlCol="0"/>
+          <a:lstStyle/>
+          <a:p>
+            <a:pPr lvl="0"/>
+            <a:r>
+              <a:rPr lang="en-GB"/>
+              <a:t>Click to edit Master text styles</a:t>
+            </a:r>
+          </a:p>
+          <a:p>
+            <a:pPr lvl="1"/>
+            <a:r>
+              <a:rPr lang="en-GB"/>
+              <a:t>Second level</a:t>
+            </a:r>
+          </a:p>
+          <a:p>
+            <a:pPr lvl="2"/>
+            <a:r>
+              <a:rPr lang="en-GB"/>
+              <a:t>Third level</a:t>
+            </a:r>
+          </a:p>
+          <a:p>
+            <a:pPr lvl="3"/>
+            <a:r>
+              <a:rPr lang="en-GB"/>
+              <a:t>Fourth level</a:t>
+            </a:r>
+          </a:p>
+          <a:p>
+            <a:pPr lvl="4"/>
+            <a:r>
+              <a:rPr lang="en-GB"/>
+              <a:t>Fifth level</a:t>
+            </a:r>
+            <a:endParaRPr lang="en-US"/>
+          </a:p>
+        </p:txBody>
+      </p:sp>
+      <p:sp>
+        <p:nvSpPr>
+          <p:cNvPr id="6" name="Footer Placeholder 5"/>
+          <p:cNvSpPr>
+            <a:spLocks noGrp="1"/>
+          </p:cNvSpPr>
+          <p:nvPr>
+            <p:ph type="ftr" sz="quarter" idx="4"/>
+          </p:nvPr>
+        </p:nvSpPr>
+        <p:spPr>
+          <a:xfrm>
+            <a:off x="0" y="8685213"/>
+            <a:ext cx="2971800" cy="458787"/>
+          </a:xfrm>
+          <a:prstGeom prst="rect">
+            <a:avLst/>
+          </a:prstGeom>
+        </p:spPr>
+        <p:txBody>
+          <a:bodyPr vert="horz" lIns="91440" tIns="45720" rIns="91440" bIns="45720" rtlCol="0" anchor="b"/>
+          <a:lstStyle>
+            <a:lvl1pPr algn="l">
+              <a:defRPr sz="1200"/>
+            </a:lvl1pPr>
+          </a:lstStyle>
+          <a:p>
+            <a:endParaRPr lang="en-US"/>
+          </a:p>
+        </p:txBody>
+      </p:sp>
+      <p:sp>
+        <p:nvSpPr>
+          <p:cNvPr id="7" name="Slide Number Placeholder 6"/>
+          <p:cNvSpPr>
+            <a:spLocks noGrp="1"/>
+          </p:cNvSpPr>
+          <p:nvPr>
+            <p:ph type="sldNum" sz="quarter" idx="5"/>
+          </p:nvPr>
+        </p:nvSpPr>
+        <p:spPr>
+          <a:xfrm>
+            <a:off x="3884613" y="8685213"/>
+            <a:ext cx="2971800" cy="458787"/>
+          </a:xfrm>
+          <a:prstGeom prst="rect">
+            <a:avLst/>
+          </a:prstGeom>
+        </p:spPr>
+        <p:txBody>
+          <a:bodyPr vert="horz" lIns="91440" tIns="45720" rIns="91440" bIns="45720" rtlCol="0" anchor="b"/>
+          <a:lstStyle>
+            <a:lvl1pPr algn="r">
+              <a:defRPr sz="1200"/>
+            </a:lvl1pPr>
+          </a:lstStyle>
+          <a:p>
+            <a:fld id="{A0805176-4FB8-F041-9FEA-96CA6BB213F7}" type="slidenum">
+              <a:rPr lang="en-US" smtClean="0"/>
+              <a:t>‹#›</a:t>
+            </a:fld>
+            <a:endParaRPr lang="en-US"/>
+          </a:p>
+        </p:txBody>
+      </p:sp>
+    </p:spTree>
+    <p:extLst>
+      <p:ext uri="{BB962C8B-B14F-4D97-AF65-F5344CB8AC3E}">
+        <p14:creationId xmlns:p14="http://schemas.microsoft.com/office/powerpoint/2010/main" val="906024856"/>
+      </p:ext>
+    </p:extLst>
+  </p:cSld>
+  <p:clrMap bg1="lt1" tx1="dk1" bg2="lt2" tx2="dk2" accent1="accent1" accent2="accent2" accent3="accent3" accent4="accent4" accent5="accent5" accent6="accent6" hlink="hlink" folHlink="folHlink"/>
+  <p:notesStyle>
+    <a:lvl1pPr marL="0" algn="l" defTabSz="914400" rtl="0" eaLnBrk="1" latinLnBrk="0" hangingPunct="1">
+      <a:defRPr sz="1200" kern="1200">
+        <a:solidFill>
+          <a:schemeClr val="tx1"/>
+        </a:solidFill>
+        <a:latin typeface="+mn-lt"/>
+        <a:ea typeface="+mn-ea"/>
+        <a:cs typeface="+mn-cs"/>
+      </a:defRPr>
+    </a:lvl1pPr>
+    <a:lvl2pPr marL="457200" algn="l" defTabSz="914400" rtl="0" eaLnBrk="1" latinLnBrk="0" hangingPunct="1">
+      <a:defRPr sz="1200" kern="1200">
+        <a:solidFill>
+          <a:schemeClr val="tx1"/>
+        </a:solidFill>
+        <a:latin typeface="+mn-lt"/>
+        <a:ea typeface="+mn-ea"/>
+        <a:cs typeface="+mn-cs"/>
+      </a:defRPr>
+    </a:lvl2pPr>
+    <a:lvl3pPr marL="914400" algn="l" defTabSz="914400" rtl="0" eaLnBrk="1" latinLnBrk="0" hangingPunct="1">
+      <a:defRPr sz="1200" kern="1200">
+        <a:solidFill>
+          <a:schemeClr val="tx1"/>
+        </a:solidFill>
+        <a:latin typeface="+mn-lt"/>
+        <a:ea typeface="+mn-ea"/>
+        <a:cs typeface="+mn-cs"/>
+      </a:defRPr>
+    </a:lvl3pPr>
+    <a:lvl4pPr marL="1371600" algn="l" defTabSz="914400" rtl="0" eaLnBrk="1" latinLnBrk="0" hangingPunct="1">
+      <a:defRPr sz="1200" kern="1200">
+        <a:solidFill>
+          <a:schemeClr val="tx1"/>
+        </a:solidFill>
+        <a:latin typeface="+mn-lt"/>
+        <a:ea typeface="+mn-ea"/>
+        <a:cs typeface="+mn-cs"/>
+      </a:defRPr>
+    </a:lvl4pPr>
+    <a:lvl5pPr marL="1828800" algn="l" defTabSz="914400" rtl="0" eaLnBrk="1" latinLnBrk="0" hangingPunct="1">
+      <a:defRPr sz="1200" kern="1200">
+        <a:solidFill>
+          <a:schemeClr val="tx1"/>
+        </a:solidFill>
+        <a:latin typeface="+mn-lt"/>
+        <a:ea typeface="+mn-ea"/>
+        <a:cs typeface="+mn-cs"/>
+      </a:defRPr>
+    </a:lvl5pPr>
+    <a:lvl6pPr marL="2286000" algn="l" defTabSz="914400" rtl="0" eaLnBrk="1" latinLnBrk="0" hangingPunct="1">
+      <a:defRPr sz="1200" kern="1200">
+        <a:solidFill>
+          <a:schemeClr val="tx1"/>
+        </a:solidFill>
+        <a:latin typeface="+mn-lt"/>
+        <a:ea typeface="+mn-ea"/>
+        <a:cs typeface="+mn-cs"/>
+      </a:defRPr>
+    </a:lvl6pPr>
+    <a:lvl7pPr marL="2743200" algn="l" defTabSz="914400" rtl="0" eaLnBrk="1" latinLnBrk="0" hangingPunct="1">
+      <a:defRPr sz="1200" kern="1200">
+        <a:solidFill>
+          <a:schemeClr val="tx1"/>
+        </a:solidFill>
+        <a:latin typeface="+mn-lt"/>
+        <a:ea typeface="+mn-ea"/>
+        <a:cs typeface="+mn-cs"/>
+      </a:defRPr>
+    </a:lvl7pPr>
+    <a:lvl8pPr marL="3200400" algn="l" defTabSz="914400" rtl="0" eaLnBrk="1" latinLnBrk="0" hangingPunct="1">
+      <a:defRPr sz="1200" kern="1200">
+        <a:solidFill>
+          <a:schemeClr val="tx1"/>
+        </a:solidFill>
+        <a:latin typeface="+mn-lt"/>
+        <a:ea typeface="+mn-ea"/>
+        <a:cs typeface="+mn-cs"/>
+      </a:defRPr>
+    </a:lvl8pPr>
+    <a:lvl9pPr marL="3657600" algn="l" defTabSz="914400" rtl="0" eaLnBrk="1" latinLnBrk="0" hangingPunct="1">
+      <a:defRPr sz="1200" kern="1200">
+        <a:solidFill>
+          <a:schemeClr val="tx1"/>
+        </a:solidFill>
+        <a:latin typeface="+mn-lt"/>
+        <a:ea typeface="+mn-ea"/>
+        <a:cs typeface="+mn-cs"/>
+      </a:defRPr>
+    </a:lvl9pPr>
+  </p:notesStyle>
+</p:notesMaster>
+</file>
+
+<file path=ppt/notesSlides/notesSlide1.xml><?xml version="1.0" encoding="utf-8"?>
+<p:notes xmlns:a="http://schemas.openxmlformats.org/drawingml/2006/main" xmlns:r="http://schemas.openxmlformats.org/officeDocument/2006/relationships" xmlns:p="http://schemas.openxmlformats.org/presentationml/2006/main">
+  <p:cSld>
+    <p:spTree>
+      <p:nvGrpSpPr>
+        <p:cNvPr id="1" name=""/>
+        <p:cNvGrpSpPr/>
+        <p:nvPr/>
+      </p:nvGrpSpPr>
+      <p:grpSpPr>
+        <a:xfrm>
+          <a:off x="0" y="0"/>
+          <a:ext cx="0" cy="0"/>
+          <a:chOff x="0" y="0"/>
+          <a:chExt cx="0" cy="0"/>
+        </a:xfrm>
+      </p:grpSpPr>
+      <p:sp>
+        <p:nvSpPr>
+          <p:cNvPr id="2" name="Slide Image Placeholder 1"/>
+          <p:cNvSpPr>
+            <a:spLocks noGrp="1" noRot="1" noChangeAspect="1"/>
+          </p:cNvSpPr>
+          <p:nvPr>
+            <p:ph type="sldImg"/>
+          </p:nvPr>
+        </p:nvSpPr>
+        <p:spPr/>
+      </p:sp>
+      <p:sp>
+        <p:nvSpPr>
+          <p:cNvPr id="3" name="Notes Placeholder 2"/>
+          <p:cNvSpPr>
+            <a:spLocks noGrp="1"/>
+          </p:cNvSpPr>
+          <p:nvPr>
+            <p:ph type="body" idx="1"/>
+          </p:nvPr>
+        </p:nvSpPr>
+        <p:spPr/>
+        <p:txBody>
+          <a:bodyPr/>
+          <a:lstStyle/>
+          <a:p>
+            <a:endParaRPr lang="en-US" dirty="0"/>
+          </a:p>
+        </p:txBody>
+      </p:sp>
+      <p:sp>
+        <p:nvSpPr>
+          <p:cNvPr id="4" name="Slide Number Placeholder 3"/>
+          <p:cNvSpPr>
+            <a:spLocks noGrp="1"/>
+          </p:cNvSpPr>
+          <p:nvPr>
+            <p:ph type="sldNum" sz="quarter" idx="5"/>
+          </p:nvPr>
+        </p:nvSpPr>
+        <p:spPr/>
+        <p:txBody>
+          <a:bodyPr/>
+          <a:lstStyle/>
+          <a:p>
+            <a:fld id="{A0805176-4FB8-F041-9FEA-96CA6BB213F7}" type="slidenum">
+              <a:rPr lang="en-US" smtClean="0"/>
+              <a:t>7</a:t>
+            </a:fld>
+            <a:endParaRPr lang="en-US"/>
+          </a:p>
+        </p:txBody>
+      </p:sp>
+    </p:spTree>
+    <p:extLst>
+      <p:ext uri="{BB962C8B-B14F-4D97-AF65-F5344CB8AC3E}">
+        <p14:creationId xmlns:p14="http://schemas.microsoft.com/office/powerpoint/2010/main" val="99303132"/>
+      </p:ext>
+    </p:extLst>
+  </p:cSld>
+  <p:clrMapOvr>
+    <a:masterClrMapping/>
+  </p:clrMapOvr>
+</p:notes>
 </file>
 
 <file path=ppt/slideLayouts/slideLayout1.xml><?xml version="1.0" encoding="utf-8"?>
@@ -154,10 +598,9 @@
           </a:lstStyle>
           <a:p>
             <a:r>
-              <a:rPr lang="en-US" smtClean="0"/>
+              <a:rPr lang="en-US"/>
               <a:t>Click to edit Master title style</a:t>
             </a:r>
-            <a:endParaRPr lang="en-US"/>
           </a:p>
         </p:txBody>
       </p:sp>
@@ -219,10 +662,9 @@
           </a:lstStyle>
           <a:p>
             <a:r>
-              <a:rPr lang="en-US" smtClean="0"/>
+              <a:rPr lang="en-US"/>
               <a:t>Click to edit Master subtitle style</a:t>
             </a:r>
-            <a:endParaRPr lang="en-US"/>
           </a:p>
         </p:txBody>
       </p:sp>
@@ -243,7 +685,7 @@
           <a:p>
             <a:fld id="{043C8A09-D65A-453C-BAE9-2B1F75E91593}" type="datetimeFigureOut">
               <a:rPr lang="en-US" smtClean="0"/>
-              <a:t>11/29/2021</a:t>
+              <a:t>12/1/21</a:t>
             </a:fld>
             <a:endParaRPr lang="en-US"/>
           </a:p>
@@ -337,10 +779,9 @@
           <a:lstStyle/>
           <a:p>
             <a:r>
-              <a:rPr lang="en-US" smtClean="0"/>
+              <a:rPr lang="en-US"/>
               <a:t>Click to edit Master title style</a:t>
             </a:r>
-            <a:endParaRPr lang="en-US"/>
           </a:p>
         </p:txBody>
       </p:sp>
@@ -361,38 +802,37 @@
           <a:p>
             <a:pPr lvl="0"/>
             <a:r>
-              <a:rPr lang="en-US" smtClean="0"/>
+              <a:rPr lang="en-US"/>
               <a:t>Click to edit Master text styles</a:t>
             </a:r>
           </a:p>
           <a:p>
             <a:pPr lvl="1"/>
             <a:r>
-              <a:rPr lang="en-US" smtClean="0"/>
+              <a:rPr lang="en-US"/>
               <a:t>Second level</a:t>
             </a:r>
           </a:p>
           <a:p>
             <a:pPr lvl="2"/>
             <a:r>
-              <a:rPr lang="en-US" smtClean="0"/>
+              <a:rPr lang="en-US"/>
               <a:t>Third level</a:t>
             </a:r>
           </a:p>
           <a:p>
             <a:pPr lvl="3"/>
             <a:r>
-              <a:rPr lang="en-US" smtClean="0"/>
+              <a:rPr lang="en-US"/>
               <a:t>Fourth level</a:t>
             </a:r>
           </a:p>
           <a:p>
             <a:pPr lvl="4"/>
             <a:r>
-              <a:rPr lang="en-US" smtClean="0"/>
+              <a:rPr lang="en-US"/>
               <a:t>Fifth level</a:t>
             </a:r>
-            <a:endParaRPr lang="en-US"/>
           </a:p>
         </p:txBody>
       </p:sp>
@@ -413,7 +853,7 @@
           <a:p>
             <a:fld id="{043C8A09-D65A-453C-BAE9-2B1F75E91593}" type="datetimeFigureOut">
               <a:rPr lang="en-US" smtClean="0"/>
-              <a:t>11/29/2021</a:t>
+              <a:t>12/1/21</a:t>
             </a:fld>
             <a:endParaRPr lang="en-US"/>
           </a:p>
@@ -512,10 +952,9 @@
           <a:lstStyle/>
           <a:p>
             <a:r>
-              <a:rPr lang="en-US" smtClean="0"/>
+              <a:rPr lang="en-US"/>
               <a:t>Click to edit Master title style</a:t>
             </a:r>
-            <a:endParaRPr lang="en-US"/>
           </a:p>
         </p:txBody>
       </p:sp>
@@ -541,38 +980,37 @@
           <a:p>
             <a:pPr lvl="0"/>
             <a:r>
-              <a:rPr lang="en-US" smtClean="0"/>
+              <a:rPr lang="en-US"/>
               <a:t>Click to edit Master text styles</a:t>
             </a:r>
           </a:p>
           <a:p>
             <a:pPr lvl="1"/>
             <a:r>
-              <a:rPr lang="en-US" smtClean="0"/>
+              <a:rPr lang="en-US"/>
               <a:t>Second level</a:t>
             </a:r>
           </a:p>
           <a:p>
             <a:pPr lvl="2"/>
             <a:r>
-              <a:rPr lang="en-US" smtClean="0"/>
+              <a:rPr lang="en-US"/>
               <a:t>Third level</a:t>
             </a:r>
           </a:p>
           <a:p>
             <a:pPr lvl="3"/>
             <a:r>
-              <a:rPr lang="en-US" smtClean="0"/>
+              <a:rPr lang="en-US"/>
               <a:t>Fourth level</a:t>
             </a:r>
           </a:p>
           <a:p>
             <a:pPr lvl="4"/>
             <a:r>
-              <a:rPr lang="en-US" smtClean="0"/>
+              <a:rPr lang="en-US"/>
               <a:t>Fifth level</a:t>
             </a:r>
-            <a:endParaRPr lang="en-US"/>
           </a:p>
         </p:txBody>
       </p:sp>
@@ -593,7 +1031,7 @@
           <a:p>
             <a:fld id="{043C8A09-D65A-453C-BAE9-2B1F75E91593}" type="datetimeFigureOut">
               <a:rPr lang="en-US" smtClean="0"/>
-              <a:t>11/29/2021</a:t>
+              <a:t>12/1/21</a:t>
             </a:fld>
             <a:endParaRPr lang="en-US"/>
           </a:p>
@@ -687,10 +1125,9 @@
           <a:lstStyle/>
           <a:p>
             <a:r>
-              <a:rPr lang="en-US" smtClean="0"/>
+              <a:rPr lang="en-US"/>
               <a:t>Click to edit Master title style</a:t>
             </a:r>
-            <a:endParaRPr lang="en-US"/>
           </a:p>
         </p:txBody>
       </p:sp>
@@ -711,38 +1148,37 @@
           <a:p>
             <a:pPr lvl="0"/>
             <a:r>
-              <a:rPr lang="en-US" smtClean="0"/>
+              <a:rPr lang="en-US"/>
               <a:t>Click to edit Master text styles</a:t>
             </a:r>
           </a:p>
           <a:p>
             <a:pPr lvl="1"/>
             <a:r>
-              <a:rPr lang="en-US" smtClean="0"/>
+              <a:rPr lang="en-US"/>
               <a:t>Second level</a:t>
             </a:r>
           </a:p>
           <a:p>
             <a:pPr lvl="2"/>
             <a:r>
-              <a:rPr lang="en-US" smtClean="0"/>
+              <a:rPr lang="en-US"/>
               <a:t>Third level</a:t>
             </a:r>
           </a:p>
           <a:p>
             <a:pPr lvl="3"/>
             <a:r>
-              <a:rPr lang="en-US" smtClean="0"/>
+              <a:rPr lang="en-US"/>
               <a:t>Fourth level</a:t>
             </a:r>
           </a:p>
           <a:p>
             <a:pPr lvl="4"/>
             <a:r>
-              <a:rPr lang="en-US" smtClean="0"/>
+              <a:rPr lang="en-US"/>
               <a:t>Fifth level</a:t>
             </a:r>
-            <a:endParaRPr lang="en-US"/>
           </a:p>
         </p:txBody>
       </p:sp>
@@ -763,7 +1199,7 @@
           <a:p>
             <a:fld id="{043C8A09-D65A-453C-BAE9-2B1F75E91593}" type="datetimeFigureOut">
               <a:rPr lang="en-US" smtClean="0"/>
-              <a:t>11/29/2021</a:t>
+              <a:t>12/1/21</a:t>
             </a:fld>
             <a:endParaRPr lang="en-US"/>
           </a:p>
@@ -866,10 +1302,9 @@
           </a:lstStyle>
           <a:p>
             <a:r>
-              <a:rPr lang="en-US" smtClean="0"/>
+              <a:rPr lang="en-US"/>
               <a:t>Click to edit Master title style</a:t>
             </a:r>
-            <a:endParaRPr lang="en-US"/>
           </a:p>
         </p:txBody>
       </p:sp>
@@ -986,7 +1421,7 @@
           <a:p>
             <a:pPr lvl="0"/>
             <a:r>
-              <a:rPr lang="en-US" smtClean="0"/>
+              <a:rPr lang="en-US"/>
               <a:t>Click to edit Master text styles</a:t>
             </a:r>
           </a:p>
@@ -1009,7 +1444,7 @@
           <a:p>
             <a:fld id="{043C8A09-D65A-453C-BAE9-2B1F75E91593}" type="datetimeFigureOut">
               <a:rPr lang="en-US" smtClean="0"/>
-              <a:t>11/29/2021</a:t>
+              <a:t>12/1/21</a:t>
             </a:fld>
             <a:endParaRPr lang="en-US"/>
           </a:p>
@@ -1103,10 +1538,9 @@
           <a:lstStyle/>
           <a:p>
             <a:r>
-              <a:rPr lang="en-US" smtClean="0"/>
+              <a:rPr lang="en-US"/>
               <a:t>Click to edit Master title style</a:t>
             </a:r>
-            <a:endParaRPr lang="en-US"/>
           </a:p>
         </p:txBody>
       </p:sp>
@@ -1132,38 +1566,37 @@
           <a:p>
             <a:pPr lvl="0"/>
             <a:r>
-              <a:rPr lang="en-US" smtClean="0"/>
+              <a:rPr lang="en-US"/>
               <a:t>Click to edit Master text styles</a:t>
             </a:r>
           </a:p>
           <a:p>
             <a:pPr lvl="1"/>
             <a:r>
-              <a:rPr lang="en-US" smtClean="0"/>
+              <a:rPr lang="en-US"/>
               <a:t>Second level</a:t>
             </a:r>
           </a:p>
           <a:p>
             <a:pPr lvl="2"/>
             <a:r>
-              <a:rPr lang="en-US" smtClean="0"/>
+              <a:rPr lang="en-US"/>
               <a:t>Third level</a:t>
             </a:r>
           </a:p>
           <a:p>
             <a:pPr lvl="3"/>
             <a:r>
-              <a:rPr lang="en-US" smtClean="0"/>
+              <a:rPr lang="en-US"/>
               <a:t>Fourth level</a:t>
             </a:r>
           </a:p>
           <a:p>
             <a:pPr lvl="4"/>
             <a:r>
-              <a:rPr lang="en-US" smtClean="0"/>
+              <a:rPr lang="en-US"/>
               <a:t>Fifth level</a:t>
             </a:r>
-            <a:endParaRPr lang="en-US"/>
           </a:p>
         </p:txBody>
       </p:sp>
@@ -1189,38 +1622,37 @@
           <a:p>
             <a:pPr lvl="0"/>
             <a:r>
-              <a:rPr lang="en-US" smtClean="0"/>
+              <a:rPr lang="en-US"/>
               <a:t>Click to edit Master text styles</a:t>
             </a:r>
           </a:p>
           <a:p>
             <a:pPr lvl="1"/>
             <a:r>
-              <a:rPr lang="en-US" smtClean="0"/>
+              <a:rPr lang="en-US"/>
               <a:t>Second level</a:t>
             </a:r>
           </a:p>
           <a:p>
             <a:pPr lvl="2"/>
             <a:r>
-              <a:rPr lang="en-US" smtClean="0"/>
+              <a:rPr lang="en-US"/>
               <a:t>Third level</a:t>
             </a:r>
           </a:p>
           <a:p>
             <a:pPr lvl="3"/>
             <a:r>
-              <a:rPr lang="en-US" smtClean="0"/>
+              <a:rPr lang="en-US"/>
               <a:t>Fourth level</a:t>
             </a:r>
           </a:p>
           <a:p>
             <a:pPr lvl="4"/>
             <a:r>
-              <a:rPr lang="en-US" smtClean="0"/>
+              <a:rPr lang="en-US"/>
               <a:t>Fifth level</a:t>
             </a:r>
-            <a:endParaRPr lang="en-US"/>
           </a:p>
         </p:txBody>
       </p:sp>
@@ -1241,7 +1673,7 @@
           <a:p>
             <a:fld id="{043C8A09-D65A-453C-BAE9-2B1F75E91593}" type="datetimeFigureOut">
               <a:rPr lang="en-US" smtClean="0"/>
-              <a:t>11/29/2021</a:t>
+              <a:t>12/1/21</a:t>
             </a:fld>
             <a:endParaRPr lang="en-US"/>
           </a:p>
@@ -1340,10 +1772,9 @@
           <a:lstStyle/>
           <a:p>
             <a:r>
-              <a:rPr lang="en-US" smtClean="0"/>
+              <a:rPr lang="en-US"/>
               <a:t>Click to edit Master title style</a:t>
             </a:r>
-            <a:endParaRPr lang="en-US"/>
           </a:p>
         </p:txBody>
       </p:sp>
@@ -1406,7 +1837,7 @@
           <a:p>
             <a:pPr lvl="0"/>
             <a:r>
-              <a:rPr lang="en-US" smtClean="0"/>
+              <a:rPr lang="en-US"/>
               <a:t>Click to edit Master text styles</a:t>
             </a:r>
           </a:p>
@@ -1434,38 +1865,37 @@
           <a:p>
             <a:pPr lvl="0"/>
             <a:r>
-              <a:rPr lang="en-US" smtClean="0"/>
+              <a:rPr lang="en-US"/>
               <a:t>Click to edit Master text styles</a:t>
             </a:r>
           </a:p>
           <a:p>
             <a:pPr lvl="1"/>
             <a:r>
-              <a:rPr lang="en-US" smtClean="0"/>
+              <a:rPr lang="en-US"/>
               <a:t>Second level</a:t>
             </a:r>
           </a:p>
           <a:p>
             <a:pPr lvl="2"/>
             <a:r>
-              <a:rPr lang="en-US" smtClean="0"/>
+              <a:rPr lang="en-US"/>
               <a:t>Third level</a:t>
             </a:r>
           </a:p>
           <a:p>
             <a:pPr lvl="3"/>
             <a:r>
-              <a:rPr lang="en-US" smtClean="0"/>
+              <a:rPr lang="en-US"/>
               <a:t>Fourth level</a:t>
             </a:r>
           </a:p>
           <a:p>
             <a:pPr lvl="4"/>
             <a:r>
-              <a:rPr lang="en-US" smtClean="0"/>
+              <a:rPr lang="en-US"/>
               <a:t>Fifth level</a:t>
             </a:r>
-            <a:endParaRPr lang="en-US"/>
           </a:p>
         </p:txBody>
       </p:sp>
@@ -1528,7 +1958,7 @@
           <a:p>
             <a:pPr lvl="0"/>
             <a:r>
-              <a:rPr lang="en-US" smtClean="0"/>
+              <a:rPr lang="en-US"/>
               <a:t>Click to edit Master text styles</a:t>
             </a:r>
           </a:p>
@@ -1556,38 +1986,37 @@
           <a:p>
             <a:pPr lvl="0"/>
             <a:r>
-              <a:rPr lang="en-US" smtClean="0"/>
+              <a:rPr lang="en-US"/>
               <a:t>Click to edit Master text styles</a:t>
             </a:r>
           </a:p>
           <a:p>
             <a:pPr lvl="1"/>
             <a:r>
-              <a:rPr lang="en-US" smtClean="0"/>
+              <a:rPr lang="en-US"/>
               <a:t>Second level</a:t>
             </a:r>
           </a:p>
           <a:p>
             <a:pPr lvl="2"/>
             <a:r>
-              <a:rPr lang="en-US" smtClean="0"/>
+              <a:rPr lang="en-US"/>
               <a:t>Third level</a:t>
             </a:r>
           </a:p>
           <a:p>
             <a:pPr lvl="3"/>
             <a:r>
-              <a:rPr lang="en-US" smtClean="0"/>
+              <a:rPr lang="en-US"/>
               <a:t>Fourth level</a:t>
             </a:r>
           </a:p>
           <a:p>
             <a:pPr lvl="4"/>
             <a:r>
-              <a:rPr lang="en-US" smtClean="0"/>
+              <a:rPr lang="en-US"/>
               <a:t>Fifth level</a:t>
             </a:r>
-            <a:endParaRPr lang="en-US"/>
           </a:p>
         </p:txBody>
       </p:sp>
@@ -1608,7 +2037,7 @@
           <a:p>
             <a:fld id="{043C8A09-D65A-453C-BAE9-2B1F75E91593}" type="datetimeFigureOut">
               <a:rPr lang="en-US" smtClean="0"/>
-              <a:t>11/29/2021</a:t>
+              <a:t>12/1/21</a:t>
             </a:fld>
             <a:endParaRPr lang="en-US"/>
           </a:p>
@@ -1702,10 +2131,9 @@
           <a:lstStyle/>
           <a:p>
             <a:r>
-              <a:rPr lang="en-US" smtClean="0"/>
+              <a:rPr lang="en-US"/>
               <a:t>Click to edit Master title style</a:t>
             </a:r>
-            <a:endParaRPr lang="en-US"/>
           </a:p>
         </p:txBody>
       </p:sp>
@@ -1726,7 +2154,7 @@
           <a:p>
             <a:fld id="{043C8A09-D65A-453C-BAE9-2B1F75E91593}" type="datetimeFigureOut">
               <a:rPr lang="en-US" smtClean="0"/>
-              <a:t>11/29/2021</a:t>
+              <a:t>12/1/21</a:t>
             </a:fld>
             <a:endParaRPr lang="en-US"/>
           </a:p>
@@ -1821,7 +2249,7 @@
           <a:p>
             <a:fld id="{043C8A09-D65A-453C-BAE9-2B1F75E91593}" type="datetimeFigureOut">
               <a:rPr lang="en-US" smtClean="0"/>
-              <a:t>11/29/2021</a:t>
+              <a:t>12/1/21</a:t>
             </a:fld>
             <a:endParaRPr lang="en-US"/>
           </a:p>
@@ -1924,10 +2352,9 @@
           </a:lstStyle>
           <a:p>
             <a:r>
-              <a:rPr lang="en-US" smtClean="0"/>
+              <a:rPr lang="en-US"/>
               <a:t>Click to edit Master title style</a:t>
             </a:r>
-            <a:endParaRPr lang="en-US"/>
           </a:p>
         </p:txBody>
       </p:sp>
@@ -1981,38 +2408,37 @@
           <a:p>
             <a:pPr lvl="0"/>
             <a:r>
-              <a:rPr lang="en-US" smtClean="0"/>
+              <a:rPr lang="en-US"/>
               <a:t>Click to edit Master text styles</a:t>
             </a:r>
           </a:p>
           <a:p>
             <a:pPr lvl="1"/>
             <a:r>
-              <a:rPr lang="en-US" smtClean="0"/>
+              <a:rPr lang="en-US"/>
               <a:t>Second level</a:t>
             </a:r>
           </a:p>
           <a:p>
             <a:pPr lvl="2"/>
             <a:r>
-              <a:rPr lang="en-US" smtClean="0"/>
+              <a:rPr lang="en-US"/>
               <a:t>Third level</a:t>
             </a:r>
           </a:p>
           <a:p>
             <a:pPr lvl="3"/>
             <a:r>
-              <a:rPr lang="en-US" smtClean="0"/>
+              <a:rPr lang="en-US"/>
               <a:t>Fourth level</a:t>
             </a:r>
           </a:p>
           <a:p>
             <a:pPr lvl="4"/>
             <a:r>
-              <a:rPr lang="en-US" smtClean="0"/>
+              <a:rPr lang="en-US"/>
               <a:t>Fifth level</a:t>
             </a:r>
-            <a:endParaRPr lang="en-US"/>
           </a:p>
         </p:txBody>
       </p:sp>
@@ -2075,7 +2501,7 @@
           <a:p>
             <a:pPr lvl="0"/>
             <a:r>
-              <a:rPr lang="en-US" smtClean="0"/>
+              <a:rPr lang="en-US"/>
               <a:t>Click to edit Master text styles</a:t>
             </a:r>
           </a:p>
@@ -2098,7 +2524,7 @@
           <a:p>
             <a:fld id="{043C8A09-D65A-453C-BAE9-2B1F75E91593}" type="datetimeFigureOut">
               <a:rPr lang="en-US" smtClean="0"/>
-              <a:t>11/29/2021</a:t>
+              <a:t>12/1/21</a:t>
             </a:fld>
             <a:endParaRPr lang="en-US"/>
           </a:p>
@@ -2201,10 +2627,9 @@
           </a:lstStyle>
           <a:p>
             <a:r>
-              <a:rPr lang="en-US" smtClean="0"/>
+              <a:rPr lang="en-US"/>
               <a:t>Click to edit Master title style</a:t>
             </a:r>
-            <a:endParaRPr lang="en-US"/>
           </a:p>
         </p:txBody>
       </p:sp>
@@ -2328,7 +2753,7 @@
           <a:p>
             <a:pPr lvl="0"/>
             <a:r>
-              <a:rPr lang="en-US" smtClean="0"/>
+              <a:rPr lang="en-US"/>
               <a:t>Click to edit Master text styles</a:t>
             </a:r>
           </a:p>
@@ -2351,7 +2776,7 @@
           <a:p>
             <a:fld id="{043C8A09-D65A-453C-BAE9-2B1F75E91593}" type="datetimeFigureOut">
               <a:rPr lang="en-US" smtClean="0"/>
-              <a:t>11/29/2021</a:t>
+              <a:t>12/1/21</a:t>
             </a:fld>
             <a:endParaRPr lang="en-US"/>
           </a:p>
@@ -2460,10 +2885,9 @@
           <a:lstStyle/>
           <a:p>
             <a:r>
-              <a:rPr lang="en-US" smtClean="0"/>
+              <a:rPr lang="en-US"/>
               <a:t>Click to edit Master title style</a:t>
             </a:r>
-            <a:endParaRPr lang="en-US"/>
           </a:p>
         </p:txBody>
       </p:sp>
@@ -2494,38 +2918,37 @@
           <a:p>
             <a:pPr lvl="0"/>
             <a:r>
-              <a:rPr lang="en-US" smtClean="0"/>
+              <a:rPr lang="en-US"/>
               <a:t>Click to edit Master text styles</a:t>
             </a:r>
           </a:p>
           <a:p>
             <a:pPr lvl="1"/>
             <a:r>
-              <a:rPr lang="en-US" smtClean="0"/>
+              <a:rPr lang="en-US"/>
               <a:t>Second level</a:t>
             </a:r>
           </a:p>
           <a:p>
             <a:pPr lvl="2"/>
             <a:r>
-              <a:rPr lang="en-US" smtClean="0"/>
+              <a:rPr lang="en-US"/>
               <a:t>Third level</a:t>
             </a:r>
           </a:p>
           <a:p>
             <a:pPr lvl="3"/>
             <a:r>
-              <a:rPr lang="en-US" smtClean="0"/>
+              <a:rPr lang="en-US"/>
               <a:t>Fourth level</a:t>
             </a:r>
           </a:p>
           <a:p>
             <a:pPr lvl="4"/>
             <a:r>
-              <a:rPr lang="en-US" smtClean="0"/>
+              <a:rPr lang="en-US"/>
               <a:t>Fifth level</a:t>
             </a:r>
-            <a:endParaRPr lang="en-US"/>
           </a:p>
         </p:txBody>
       </p:sp>
@@ -2564,7 +2987,7 @@
           <a:p>
             <a:fld id="{043C8A09-D65A-453C-BAE9-2B1F75E91593}" type="datetimeFigureOut">
               <a:rPr lang="en-US" smtClean="0"/>
-              <a:t>11/29/2021</a:t>
+              <a:t>12/1/21</a:t>
             </a:fld>
             <a:endParaRPr lang="en-US"/>
           </a:p>
@@ -2985,18 +3408,17 @@
           <a:lstStyle/>
           <a:p>
             <a:r>
-              <a:rPr lang="en-US" dirty="0" smtClean="0"/>
+              <a:rPr lang="en-US" dirty="0"/>
               <a:t>NFT Generation 21</a:t>
             </a:r>
             <a:r>
-              <a:rPr lang="en-US" baseline="30000" dirty="0" smtClean="0"/>
+              <a:rPr lang="en-US" baseline="30000" dirty="0"/>
               <a:t>st</a:t>
             </a:r>
             <a:r>
-              <a:rPr lang="en-US" dirty="0" smtClean="0"/>
+              <a:rPr lang="en-US" dirty="0"/>
               <a:t> century Picasso</a:t>
             </a:r>
-            <a:endParaRPr lang="en-US" dirty="0"/>
           </a:p>
         </p:txBody>
       </p:sp>
@@ -3016,10 +3438,9 @@
           <a:lstStyle/>
           <a:p>
             <a:r>
-              <a:rPr lang="en-US" dirty="0" smtClean="0"/>
+              <a:rPr lang="en-US" dirty="0"/>
               <a:t>The future of ART!</a:t>
             </a:r>
-            <a:endParaRPr lang="en-US" dirty="0"/>
           </a:p>
         </p:txBody>
       </p:sp>
@@ -3069,10 +3490,9 @@
           <a:lstStyle/>
           <a:p>
             <a:r>
-              <a:rPr lang="en-US" dirty="0" smtClean="0"/>
-              <a:t>Summary</a:t>
-            </a:r>
-            <a:endParaRPr lang="en-US" dirty="0"/>
+              <a:rPr lang="en-US" dirty="0"/>
+              <a:t>Summary – Market Place</a:t>
+            </a:r>
           </a:p>
         </p:txBody>
       </p:sp>
@@ -3141,16 +3561,15 @@
           <a:lstStyle/>
           <a:p>
             <a:r>
-              <a:rPr lang="en-US" dirty="0" smtClean="0"/>
-              <a:t>Data collection/Preparation</a:t>
-            </a:r>
-            <a:endParaRPr lang="en-US" dirty="0"/>
-          </a:p>
-        </p:txBody>
-      </p:sp>
-      <p:sp>
-        <p:nvSpPr>
-          <p:cNvPr id="7" name="Content Placeholder 6"/>
+              <a:rPr lang="en-US" dirty="0"/>
+              <a:t>Summary – NFT Generator</a:t>
+            </a:r>
+          </a:p>
+        </p:txBody>
+      </p:sp>
+      <p:sp>
+        <p:nvSpPr>
+          <p:cNvPr id="3" name="Content Placeholder 2"/>
           <p:cNvSpPr>
             <a:spLocks noGrp="1"/>
           </p:cNvSpPr>
@@ -3163,14 +3582,78 @@
           <a:bodyPr/>
           <a:lstStyle/>
           <a:p>
-            <a:endParaRPr lang="en-US"/>
-          </a:p>
-        </p:txBody>
-      </p:sp>
+            <a:r>
+              <a:rPr lang="en-US" dirty="0"/>
+              <a:t>NFT Generator: Takes in a variety of traits and randomly combines them into a unique photo. The more traits the more unique possibilities.</a:t>
+            </a:r>
+          </a:p>
+          <a:p>
+            <a:pPr lvl="1"/>
+            <a:r>
+              <a:rPr lang="en-US" dirty="0"/>
+              <a:t>Crypto Punks: 10,000 unique Punks (6,039 males / 3,840 females)</a:t>
+            </a:r>
+          </a:p>
+          <a:p>
+            <a:pPr lvl="1"/>
+            <a:r>
+              <a:rPr lang="en-US" dirty="0"/>
+              <a:t>3,200 owners / 728.9k ETH (volume traded)</a:t>
+            </a:r>
+          </a:p>
+          <a:p>
+            <a:pPr lvl="1"/>
+            <a:r>
+              <a:rPr lang="en-US" dirty="0" err="1"/>
+              <a:t>Launced</a:t>
+            </a:r>
+            <a:r>
+              <a:rPr lang="en-US" dirty="0"/>
+              <a:t> in mid -2017 and become one of the inspiration for the ERC-721 standard.</a:t>
+            </a:r>
+          </a:p>
+        </p:txBody>
+      </p:sp>
+      <p:pic>
+        <p:nvPicPr>
+          <p:cNvPr id="5" name="Picture 4" descr="Graphical user interface, application&#10;&#10;Description automatically generated">
+            <a:extLst>
+              <a:ext uri="{FF2B5EF4-FFF2-40B4-BE49-F238E27FC236}">
+                <a16:creationId xmlns:a16="http://schemas.microsoft.com/office/drawing/2014/main" id="{4758A9AA-7CA9-FD43-A107-F126D29A2F6C}"/>
+              </a:ext>
+            </a:extLst>
+          </p:cNvPr>
+          <p:cNvPicPr>
+            <a:picLocks noChangeAspect="1"/>
+          </p:cNvPicPr>
+          <p:nvPr/>
+        </p:nvPicPr>
+        <p:blipFill>
+          <a:blip r:embed="rId2">
+            <a:extLst>
+              <a:ext uri="{28A0092B-C50C-407E-A947-70E740481C1C}">
+                <a14:useLocalDpi xmlns:a14="http://schemas.microsoft.com/office/drawing/2010/main" val="0"/>
+              </a:ext>
+            </a:extLst>
+          </a:blip>
+          <a:stretch>
+            <a:fillRect/>
+          </a:stretch>
+        </p:blipFill>
+        <p:spPr>
+          <a:xfrm>
+            <a:off x="4028547" y="4386985"/>
+            <a:ext cx="4134905" cy="2259818"/>
+          </a:xfrm>
+          <a:prstGeom prst="rect">
+            <a:avLst/>
+          </a:prstGeom>
+        </p:spPr>
+      </p:pic>
     </p:spTree>
     <p:extLst>
       <p:ext uri="{BB962C8B-B14F-4D97-AF65-F5344CB8AC3E}">
-        <p14:creationId xmlns:p14="http://schemas.microsoft.com/office/powerpoint/2010/main" val="245429637"/>
+        <p14:creationId xmlns:p14="http://schemas.microsoft.com/office/powerpoint/2010/main" val="1311606578"/>
       </p:ext>
     </p:extLst>
   </p:cSld>
@@ -3213,10 +3696,143 @@
           <a:lstStyle/>
           <a:p>
             <a:r>
-              <a:rPr lang="en-US" dirty="0" smtClean="0"/>
+              <a:rPr lang="en-US" dirty="0"/>
+              <a:t>Metadata</a:t>
+            </a:r>
+          </a:p>
+        </p:txBody>
+      </p:sp>
+      <p:sp>
+        <p:nvSpPr>
+          <p:cNvPr id="7" name="Content Placeholder 6"/>
+          <p:cNvSpPr>
+            <a:spLocks noGrp="1"/>
+          </p:cNvSpPr>
+          <p:nvPr>
+            <p:ph idx="1"/>
+          </p:nvPr>
+        </p:nvSpPr>
+        <p:spPr>
+          <a:xfrm>
+            <a:off x="505691" y="1786091"/>
+            <a:ext cx="4241800" cy="3987960"/>
+          </a:xfrm>
+        </p:spPr>
+        <p:txBody>
+          <a:bodyPr>
+            <a:normAutofit/>
+          </a:bodyPr>
+          <a:lstStyle/>
+          <a:p>
+            <a:r>
+              <a:rPr lang="en-US" sz="2400" dirty="0"/>
+              <a:t>Metadata is the core of an NFT, it is a JSON file that often contains: NFT’s name, Description, attributes, &amp; link to the hosted image.</a:t>
+            </a:r>
+          </a:p>
+          <a:p>
+            <a:r>
+              <a:rPr lang="en-US" sz="2400" dirty="0"/>
+              <a:t>Uploading data to a blockchain can be expensive, for this reason NFTs store their images somewhere else and a link to this hosted image is included in the Metadata.</a:t>
+            </a:r>
+          </a:p>
+        </p:txBody>
+      </p:sp>
+      <p:pic>
+        <p:nvPicPr>
+          <p:cNvPr id="1026" name="Picture 2">
+            <a:extLst>
+              <a:ext uri="{FF2B5EF4-FFF2-40B4-BE49-F238E27FC236}">
+                <a16:creationId xmlns:a16="http://schemas.microsoft.com/office/drawing/2014/main" id="{78C78815-5C0A-4D4F-B405-45A94EE8A53A}"/>
+              </a:ext>
+            </a:extLst>
+          </p:cNvPr>
+          <p:cNvPicPr>
+            <a:picLocks noChangeAspect="1" noChangeArrowheads="1"/>
+          </p:cNvPicPr>
+          <p:nvPr/>
+        </p:nvPicPr>
+        <p:blipFill>
+          <a:blip r:embed="rId2">
+            <a:extLst>
+              <a:ext uri="{28A0092B-C50C-407E-A947-70E740481C1C}">
+                <a14:useLocalDpi xmlns:a14="http://schemas.microsoft.com/office/drawing/2010/main" val="0"/>
+              </a:ext>
+            </a:extLst>
+          </a:blip>
+          <a:srcRect/>
+          <a:stretch>
+            <a:fillRect/>
+          </a:stretch>
+        </p:blipFill>
+        <p:spPr bwMode="auto">
+          <a:xfrm>
+            <a:off x="4607842" y="950976"/>
+            <a:ext cx="7300751" cy="5440680"/>
+          </a:xfrm>
+          <a:prstGeom prst="rect">
+            <a:avLst/>
+          </a:prstGeom>
+          <a:noFill/>
+          <a:extLst>
+            <a:ext uri="{909E8E84-426E-40DD-AFC4-6F175D3DCCD1}">
+              <a14:hiddenFill xmlns:a14="http://schemas.microsoft.com/office/drawing/2010/main">
+                <a:solidFill>
+                  <a:srgbClr val="FFFFFF"/>
+                </a:solidFill>
+              </a14:hiddenFill>
+            </a:ext>
+          </a:extLst>
+        </p:spPr>
+      </p:pic>
+    </p:spTree>
+    <p:extLst>
+      <p:ext uri="{BB962C8B-B14F-4D97-AF65-F5344CB8AC3E}">
+        <p14:creationId xmlns:p14="http://schemas.microsoft.com/office/powerpoint/2010/main" val="245429637"/>
+      </p:ext>
+    </p:extLst>
+  </p:cSld>
+  <p:clrMapOvr>
+    <a:masterClrMapping/>
+  </p:clrMapOvr>
+</p:sld>
+</file>
+
+<file path=ppt/slides/slide5.xml><?xml version="1.0" encoding="utf-8"?>
+<p:sld xmlns:a="http://schemas.openxmlformats.org/drawingml/2006/main" xmlns:r="http://schemas.openxmlformats.org/officeDocument/2006/relationships" xmlns:p="http://schemas.openxmlformats.org/presentationml/2006/main">
+  <p:cSld>
+    <p:spTree>
+      <p:nvGrpSpPr>
+        <p:cNvPr id="1" name=""/>
+        <p:cNvGrpSpPr/>
+        <p:nvPr/>
+      </p:nvGrpSpPr>
+      <p:grpSpPr>
+        <a:xfrm>
+          <a:off x="0" y="0"/>
+          <a:ext cx="0" cy="0"/>
+          <a:chOff x="0" y="0"/>
+          <a:chExt cx="0" cy="0"/>
+        </a:xfrm>
+      </p:grpSpPr>
+      <p:sp>
+        <p:nvSpPr>
+          <p:cNvPr id="2" name="Title 1"/>
+          <p:cNvSpPr>
+            <a:spLocks noGrp="1"/>
+          </p:cNvSpPr>
+          <p:nvPr>
+            <p:ph type="title"/>
+          </p:nvPr>
+        </p:nvSpPr>
+        <p:spPr/>
+        <p:txBody>
+          <a:bodyPr/>
+          <a:lstStyle/>
+          <a:p>
+            <a:r>
+              <a:rPr lang="en-US" dirty="0"/>
               <a:t>Code/Solutions</a:t>
             </a:r>
-            <a:endParaRPr lang="en-US" dirty="0"/>
           </a:p>
         </p:txBody>
       </p:sp>
@@ -3230,16 +3846,20 @@
             <p:ph idx="1"/>
           </p:nvPr>
         </p:nvSpPr>
-        <p:spPr/>
-        <p:txBody>
-          <a:bodyPr/>
-          <a:lstStyle/>
-          <a:p>
-            <a:r>
-              <a:rPr lang="en-US" dirty="0" smtClean="0"/>
-              <a:t>Using very simple code and the random package in python, we were able to generate images, in which the metadata is stored on the NFT</a:t>
-            </a:r>
-            <a:endParaRPr lang="en-US" dirty="0"/>
+        <p:spPr>
+          <a:xfrm>
+            <a:off x="838200" y="1441577"/>
+            <a:ext cx="10515600" cy="4351338"/>
+          </a:xfrm>
+        </p:spPr>
+        <p:txBody>
+          <a:bodyPr/>
+          <a:lstStyle/>
+          <a:p>
+            <a:r>
+              <a:rPr lang="en-US" dirty="0"/>
+              <a:t>Using the random package in python, we were able to generate images, in which stores the metadata of the generated image into a JSON file</a:t>
+            </a:r>
           </a:p>
         </p:txBody>
       </p:sp>
@@ -3304,78 +3924,6 @@
 </p:sld>
 </file>
 
-<file path=ppt/slides/slide5.xml><?xml version="1.0" encoding="utf-8"?>
-<p:sld xmlns:a="http://schemas.openxmlformats.org/drawingml/2006/main" xmlns:r="http://schemas.openxmlformats.org/officeDocument/2006/relationships" xmlns:p="http://schemas.openxmlformats.org/presentationml/2006/main">
-  <p:cSld>
-    <p:spTree>
-      <p:nvGrpSpPr>
-        <p:cNvPr id="1" name=""/>
-        <p:cNvGrpSpPr/>
-        <p:nvPr/>
-      </p:nvGrpSpPr>
-      <p:grpSpPr>
-        <a:xfrm>
-          <a:off x="0" y="0"/>
-          <a:ext cx="0" cy="0"/>
-          <a:chOff x="0" y="0"/>
-          <a:chExt cx="0" cy="0"/>
-        </a:xfrm>
-      </p:grpSpPr>
-      <p:sp>
-        <p:nvSpPr>
-          <p:cNvPr id="2" name="Title 1"/>
-          <p:cNvSpPr>
-            <a:spLocks noGrp="1"/>
-          </p:cNvSpPr>
-          <p:nvPr>
-            <p:ph type="title"/>
-          </p:nvPr>
-        </p:nvSpPr>
-        <p:spPr/>
-        <p:txBody>
-          <a:bodyPr/>
-          <a:lstStyle/>
-          <a:p>
-            <a:r>
-              <a:rPr lang="en-US" dirty="0" smtClean="0"/>
-              <a:t>Results/Conclusions</a:t>
-            </a:r>
-            <a:endParaRPr lang="en-US" dirty="0"/>
-          </a:p>
-        </p:txBody>
-      </p:sp>
-      <p:sp>
-        <p:nvSpPr>
-          <p:cNvPr id="3" name="Content Placeholder 2"/>
-          <p:cNvSpPr>
-            <a:spLocks noGrp="1"/>
-          </p:cNvSpPr>
-          <p:nvPr>
-            <p:ph idx="1"/>
-          </p:nvPr>
-        </p:nvSpPr>
-        <p:spPr/>
-        <p:txBody>
-          <a:bodyPr/>
-          <a:lstStyle/>
-          <a:p>
-            <a:endParaRPr lang="en-US"/>
-          </a:p>
-        </p:txBody>
-      </p:sp>
-    </p:spTree>
-    <p:extLst>
-      <p:ext uri="{BB962C8B-B14F-4D97-AF65-F5344CB8AC3E}">
-        <p14:creationId xmlns:p14="http://schemas.microsoft.com/office/powerpoint/2010/main" val="2310449871"/>
-      </p:ext>
-    </p:extLst>
-  </p:cSld>
-  <p:clrMapOvr>
-    <a:masterClrMapping/>
-  </p:clrMapOvr>
-</p:sld>
-</file>
-
 <file path=ppt/slides/slide6.xml><?xml version="1.0" encoding="utf-8"?>
 <p:sld xmlns:a="http://schemas.openxmlformats.org/drawingml/2006/main" xmlns:r="http://schemas.openxmlformats.org/officeDocument/2006/relationships" xmlns:p="http://schemas.openxmlformats.org/presentationml/2006/main">
   <p:cSld>
@@ -3409,10 +3957,1252 @@
           <a:lstStyle/>
           <a:p>
             <a:r>
-              <a:rPr lang="en-US" dirty="0" smtClean="0"/>
+              <a:rPr lang="en-US" dirty="0"/>
+              <a:t>Results/Conclusions</a:t>
+            </a:r>
+          </a:p>
+        </p:txBody>
+      </p:sp>
+      <p:sp>
+        <p:nvSpPr>
+          <p:cNvPr id="3" name="Content Placeholder 2"/>
+          <p:cNvSpPr>
+            <a:spLocks noGrp="1"/>
+          </p:cNvSpPr>
+          <p:nvPr>
+            <p:ph idx="1"/>
+          </p:nvPr>
+        </p:nvSpPr>
+        <p:spPr>
+          <a:xfrm>
+            <a:off x="838200" y="1825625"/>
+            <a:ext cx="4053840" cy="4351338"/>
+          </a:xfrm>
+        </p:spPr>
+        <p:txBody>
+          <a:bodyPr/>
+          <a:lstStyle/>
+          <a:p>
+            <a:r>
+              <a:rPr lang="en-US" dirty="0"/>
+              <a:t>We created a hierarchy which stores the images (traits) into subfolders and created a metadata folder to store the produced JSON file. </a:t>
+            </a:r>
+          </a:p>
+        </p:txBody>
+      </p:sp>
+      <p:pic>
+        <p:nvPicPr>
+          <p:cNvPr id="12" name="Picture 11" descr="Graphical user interface, text&#10;&#10;Description automatically generated with medium confidence">
+            <a:extLst>
+              <a:ext uri="{FF2B5EF4-FFF2-40B4-BE49-F238E27FC236}">
+                <a16:creationId xmlns:a16="http://schemas.microsoft.com/office/drawing/2014/main" id="{295C71F6-27EF-5C4C-AC66-AA8908AF48DC}"/>
+              </a:ext>
+            </a:extLst>
+          </p:cNvPr>
+          <p:cNvPicPr>
+            <a:picLocks noChangeAspect="1"/>
+          </p:cNvPicPr>
+          <p:nvPr/>
+        </p:nvPicPr>
+        <p:blipFill rotWithShape="1">
+          <a:blip r:embed="rId2">
+            <a:extLst>
+              <a:ext uri="{28A0092B-C50C-407E-A947-70E740481C1C}">
+                <a14:useLocalDpi xmlns:a14="http://schemas.microsoft.com/office/drawing/2010/main" val="0"/>
+              </a:ext>
+            </a:extLst>
+          </a:blip>
+          <a:srcRect b="60533"/>
+          <a:stretch/>
+        </p:blipFill>
+        <p:spPr>
+          <a:xfrm>
+            <a:off x="7148354" y="474326"/>
+            <a:ext cx="2314896" cy="3526968"/>
+          </a:xfrm>
+          <a:prstGeom prst="rect">
+            <a:avLst/>
+          </a:prstGeom>
+        </p:spPr>
+      </p:pic>
+      <p:pic>
+        <p:nvPicPr>
+          <p:cNvPr id="13" name="Picture 12" descr="Graphical user interface, text&#10;&#10;Description automatically generated with medium confidence">
+            <a:extLst>
+              <a:ext uri="{FF2B5EF4-FFF2-40B4-BE49-F238E27FC236}">
+                <a16:creationId xmlns:a16="http://schemas.microsoft.com/office/drawing/2014/main" id="{33543AE3-E247-4D41-B536-D8198FA7E8BC}"/>
+              </a:ext>
+            </a:extLst>
+          </p:cNvPr>
+          <p:cNvPicPr>
+            <a:picLocks noChangeAspect="1"/>
+          </p:cNvPicPr>
+          <p:nvPr/>
+        </p:nvPicPr>
+        <p:blipFill rotWithShape="1">
+          <a:blip r:embed="rId2">
+            <a:extLst>
+              <a:ext uri="{28A0092B-C50C-407E-A947-70E740481C1C}">
+                <a14:useLocalDpi xmlns:a14="http://schemas.microsoft.com/office/drawing/2010/main" val="0"/>
+              </a:ext>
+            </a:extLst>
+          </a:blip>
+          <a:srcRect t="40147"/>
+          <a:stretch/>
+        </p:blipFill>
+        <p:spPr>
+          <a:xfrm>
+            <a:off x="9996827" y="365125"/>
+            <a:ext cx="1776470" cy="4104704"/>
+          </a:xfrm>
+          <a:prstGeom prst="rect">
+            <a:avLst/>
+          </a:prstGeom>
+        </p:spPr>
+      </p:pic>
+      <p:pic>
+        <p:nvPicPr>
+          <p:cNvPr id="18" name="Picture 17" descr="Shape, circle&#10;&#10;Description automatically generated">
+            <a:extLst>
+              <a:ext uri="{FF2B5EF4-FFF2-40B4-BE49-F238E27FC236}">
+                <a16:creationId xmlns:a16="http://schemas.microsoft.com/office/drawing/2014/main" id="{83F3A5B7-D183-E943-964E-DDCCF25CCAA0}"/>
+              </a:ext>
+            </a:extLst>
+          </p:cNvPr>
+          <p:cNvPicPr>
+            <a:picLocks noChangeAspect="1"/>
+          </p:cNvPicPr>
+          <p:nvPr/>
+        </p:nvPicPr>
+        <p:blipFill>
+          <a:blip r:embed="rId3">
+            <a:extLst>
+              <a:ext uri="{28A0092B-C50C-407E-A947-70E740481C1C}">
+                <a14:useLocalDpi xmlns:a14="http://schemas.microsoft.com/office/drawing/2010/main" val="0"/>
+              </a:ext>
+            </a:extLst>
+          </a:blip>
+          <a:stretch>
+            <a:fillRect/>
+          </a:stretch>
+        </p:blipFill>
+        <p:spPr>
+          <a:xfrm>
+            <a:off x="6096000" y="4926163"/>
+            <a:ext cx="3560703" cy="3560703"/>
+          </a:xfrm>
+          <a:prstGeom prst="rect">
+            <a:avLst/>
+          </a:prstGeom>
+        </p:spPr>
+      </p:pic>
+      <p:pic>
+        <p:nvPicPr>
+          <p:cNvPr id="19" name="Picture 18" descr="Shape&#10;&#10;Description automatically generated with medium confidence">
+            <a:extLst>
+              <a:ext uri="{FF2B5EF4-FFF2-40B4-BE49-F238E27FC236}">
+                <a16:creationId xmlns:a16="http://schemas.microsoft.com/office/drawing/2014/main" id="{5E52D14D-5BDB-CA40-ADB5-9F9423920865}"/>
+              </a:ext>
+            </a:extLst>
+          </p:cNvPr>
+          <p:cNvPicPr>
+            <a:picLocks noChangeAspect="1"/>
+          </p:cNvPicPr>
+          <p:nvPr/>
+        </p:nvPicPr>
+        <p:blipFill>
+          <a:blip r:embed="rId4">
+            <a:extLst>
+              <a:ext uri="{28A0092B-C50C-407E-A947-70E740481C1C}">
+                <a14:useLocalDpi xmlns:a14="http://schemas.microsoft.com/office/drawing/2010/main" val="0"/>
+              </a:ext>
+            </a:extLst>
+          </a:blip>
+          <a:stretch>
+            <a:fillRect/>
+          </a:stretch>
+        </p:blipFill>
+        <p:spPr>
+          <a:xfrm>
+            <a:off x="7983456" y="2769123"/>
+            <a:ext cx="4085159" cy="4085159"/>
+          </a:xfrm>
+          <a:prstGeom prst="rect">
+            <a:avLst/>
+          </a:prstGeom>
+        </p:spPr>
+      </p:pic>
+      <p:pic>
+        <p:nvPicPr>
+          <p:cNvPr id="21" name="Picture 20" descr="Shape&#10;&#10;Description automatically generated">
+            <a:extLst>
+              <a:ext uri="{FF2B5EF4-FFF2-40B4-BE49-F238E27FC236}">
+                <a16:creationId xmlns:a16="http://schemas.microsoft.com/office/drawing/2014/main" id="{EDAF16D3-B306-F847-848A-454400A72CA3}"/>
+              </a:ext>
+            </a:extLst>
+          </p:cNvPr>
+          <p:cNvPicPr>
+            <a:picLocks noChangeAspect="1"/>
+          </p:cNvPicPr>
+          <p:nvPr/>
+        </p:nvPicPr>
+        <p:blipFill>
+          <a:blip r:embed="rId5">
+            <a:extLst>
+              <a:ext uri="{28A0092B-C50C-407E-A947-70E740481C1C}">
+                <a14:useLocalDpi xmlns:a14="http://schemas.microsoft.com/office/drawing/2010/main" val="0"/>
+              </a:ext>
+            </a:extLst>
+          </a:blip>
+          <a:stretch>
+            <a:fillRect/>
+          </a:stretch>
+        </p:blipFill>
+        <p:spPr>
+          <a:xfrm>
+            <a:off x="6144210" y="2769123"/>
+            <a:ext cx="4113970" cy="4113970"/>
+          </a:xfrm>
+          <a:prstGeom prst="rect">
+            <a:avLst/>
+          </a:prstGeom>
+        </p:spPr>
+      </p:pic>
+      <p:sp>
+        <p:nvSpPr>
+          <p:cNvPr id="22" name="Rectangle 21">
+            <a:extLst>
+              <a:ext uri="{FF2B5EF4-FFF2-40B4-BE49-F238E27FC236}">
+                <a16:creationId xmlns:a16="http://schemas.microsoft.com/office/drawing/2014/main" id="{1FD89571-F350-304B-8B48-753149478037}"/>
+              </a:ext>
+            </a:extLst>
+          </p:cNvPr>
+          <p:cNvSpPr/>
+          <p:nvPr/>
+        </p:nvSpPr>
+        <p:spPr>
+          <a:xfrm>
+            <a:off x="9463250" y="4687636"/>
+            <a:ext cx="1282517" cy="477054"/>
+          </a:xfrm>
+          <a:prstGeom prst="rect">
+            <a:avLst/>
+          </a:prstGeom>
+          <a:noFill/>
+        </p:spPr>
+        <p:txBody>
+          <a:bodyPr wrap="square" lIns="91440" tIns="45720" rIns="91440" bIns="45720">
+            <a:spAutoFit/>
+          </a:bodyPr>
+          <a:lstStyle/>
+          <a:p>
+            <a:pPr algn="ctr"/>
+            <a:r>
+              <a:rPr lang="en-GB" sz="2500" b="0" cap="none" spc="0" dirty="0">
+                <a:ln w="0"/>
+                <a:solidFill>
+                  <a:schemeClr val="tx1"/>
+                </a:solidFill>
+                <a:effectLst>
+                  <a:outerShdw blurRad="38100" dist="19050" dir="2700000" algn="tl" rotWithShape="0">
+                    <a:schemeClr val="dk1">
+                      <a:alpha val="40000"/>
+                    </a:schemeClr>
+                  </a:outerShdw>
+                </a:effectLst>
+              </a:rPr>
+              <a:t>Squares</a:t>
+            </a:r>
+          </a:p>
+        </p:txBody>
+      </p:sp>
+      <p:pic>
+        <p:nvPicPr>
+          <p:cNvPr id="23" name="Picture 22" descr="Shape, circle&#10;&#10;Description automatically generated">
+            <a:extLst>
+              <a:ext uri="{FF2B5EF4-FFF2-40B4-BE49-F238E27FC236}">
+                <a16:creationId xmlns:a16="http://schemas.microsoft.com/office/drawing/2014/main" id="{CD0624FD-76A3-D343-849F-E59C8858B1D6}"/>
+              </a:ext>
+            </a:extLst>
+          </p:cNvPr>
+          <p:cNvPicPr>
+            <a:picLocks noChangeAspect="1"/>
+          </p:cNvPicPr>
+          <p:nvPr/>
+        </p:nvPicPr>
+        <p:blipFill>
+          <a:blip r:embed="rId6">
+            <a:extLst>
+              <a:ext uri="{28A0092B-C50C-407E-A947-70E740481C1C}">
+                <a14:useLocalDpi xmlns:a14="http://schemas.microsoft.com/office/drawing/2010/main" val="0"/>
+              </a:ext>
+            </a:extLst>
+          </a:blip>
+          <a:stretch>
+            <a:fillRect/>
+          </a:stretch>
+        </p:blipFill>
+        <p:spPr>
+          <a:xfrm>
+            <a:off x="4363858" y="4926162"/>
+            <a:ext cx="3560703" cy="3560703"/>
+          </a:xfrm>
+          <a:prstGeom prst="rect">
+            <a:avLst/>
+          </a:prstGeom>
+        </p:spPr>
+      </p:pic>
+      <p:sp>
+        <p:nvSpPr>
+          <p:cNvPr id="24" name="Rectangle 23">
+            <a:extLst>
+              <a:ext uri="{FF2B5EF4-FFF2-40B4-BE49-F238E27FC236}">
+                <a16:creationId xmlns:a16="http://schemas.microsoft.com/office/drawing/2014/main" id="{DC7B3790-5274-CF46-AC34-D495F3ED15B5}"/>
+              </a:ext>
+            </a:extLst>
+          </p:cNvPr>
+          <p:cNvSpPr/>
+          <p:nvPr/>
+        </p:nvSpPr>
+        <p:spPr>
+          <a:xfrm>
+            <a:off x="5656623" y="4687634"/>
+            <a:ext cx="1075519" cy="477054"/>
+          </a:xfrm>
+          <a:prstGeom prst="rect">
+            <a:avLst/>
+          </a:prstGeom>
+          <a:noFill/>
+        </p:spPr>
+        <p:txBody>
+          <a:bodyPr wrap="square" lIns="91440" tIns="45720" rIns="91440" bIns="45720">
+            <a:spAutoFit/>
+          </a:bodyPr>
+          <a:lstStyle/>
+          <a:p>
+            <a:pPr algn="ctr"/>
+            <a:r>
+              <a:rPr lang="en-GB" sz="2500" b="0" cap="none" spc="0" dirty="0">
+                <a:ln w="0"/>
+                <a:solidFill>
+                  <a:schemeClr val="tx1"/>
+                </a:solidFill>
+                <a:effectLst>
+                  <a:outerShdw blurRad="38100" dist="19050" dir="2700000" algn="tl" rotWithShape="0">
+                    <a:schemeClr val="dk1">
+                      <a:alpha val="40000"/>
+                    </a:schemeClr>
+                  </a:outerShdw>
+                </a:effectLst>
+              </a:rPr>
+              <a:t>Circles</a:t>
+            </a:r>
+          </a:p>
+        </p:txBody>
+      </p:sp>
+      <p:pic>
+        <p:nvPicPr>
+          <p:cNvPr id="25" name="Content Placeholder 4" descr="Shape, rectangle&#10;&#10;Description automatically generated">
+            <a:extLst>
+              <a:ext uri="{FF2B5EF4-FFF2-40B4-BE49-F238E27FC236}">
+                <a16:creationId xmlns:a16="http://schemas.microsoft.com/office/drawing/2014/main" id="{D30BF922-D5A6-A447-A252-A94A99A501AE}"/>
+              </a:ext>
+            </a:extLst>
+          </p:cNvPr>
+          <p:cNvPicPr>
+            <a:picLocks noChangeAspect="1"/>
+          </p:cNvPicPr>
+          <p:nvPr/>
+        </p:nvPicPr>
+        <p:blipFill>
+          <a:blip r:embed="rId7">
+            <a:extLst>
+              <a:ext uri="{28A0092B-C50C-407E-A947-70E740481C1C}">
+                <a14:useLocalDpi xmlns:a14="http://schemas.microsoft.com/office/drawing/2010/main" val="0"/>
+              </a:ext>
+            </a:extLst>
+          </a:blip>
+          <a:stretch>
+            <a:fillRect/>
+          </a:stretch>
+        </p:blipFill>
+        <p:spPr>
+          <a:xfrm>
+            <a:off x="2450199" y="5025308"/>
+            <a:ext cx="1419398" cy="1419398"/>
+          </a:xfrm>
+          <a:prstGeom prst="rect">
+            <a:avLst/>
+          </a:prstGeom>
+        </p:spPr>
+      </p:pic>
+      <p:pic>
+        <p:nvPicPr>
+          <p:cNvPr id="26" name="Picture 25" descr="Shape, rectangle&#10;&#10;Description automatically generated">
+            <a:extLst>
+              <a:ext uri="{FF2B5EF4-FFF2-40B4-BE49-F238E27FC236}">
+                <a16:creationId xmlns:a16="http://schemas.microsoft.com/office/drawing/2014/main" id="{C7FE3D38-140C-584D-8452-FBE7AD0BDB60}"/>
+              </a:ext>
+            </a:extLst>
+          </p:cNvPr>
+          <p:cNvPicPr>
+            <a:picLocks noChangeAspect="1"/>
+          </p:cNvPicPr>
+          <p:nvPr/>
+        </p:nvPicPr>
+        <p:blipFill>
+          <a:blip r:embed="rId8">
+            <a:extLst>
+              <a:ext uri="{28A0092B-C50C-407E-A947-70E740481C1C}">
+                <a14:useLocalDpi xmlns:a14="http://schemas.microsoft.com/office/drawing/2010/main" val="0"/>
+              </a:ext>
+            </a:extLst>
+          </a:blip>
+          <a:stretch>
+            <a:fillRect/>
+          </a:stretch>
+        </p:blipFill>
+        <p:spPr>
+          <a:xfrm>
+            <a:off x="866040" y="5011594"/>
+            <a:ext cx="1446826" cy="1446826"/>
+          </a:xfrm>
+          <a:prstGeom prst="rect">
+            <a:avLst/>
+          </a:prstGeom>
+        </p:spPr>
+      </p:pic>
+      <p:sp>
+        <p:nvSpPr>
+          <p:cNvPr id="27" name="Rectangle 26">
+            <a:extLst>
+              <a:ext uri="{FF2B5EF4-FFF2-40B4-BE49-F238E27FC236}">
+                <a16:creationId xmlns:a16="http://schemas.microsoft.com/office/drawing/2014/main" id="{0506F7C5-4F6F-B341-987C-1663E72564D5}"/>
+              </a:ext>
+            </a:extLst>
+          </p:cNvPr>
+          <p:cNvSpPr/>
+          <p:nvPr/>
+        </p:nvSpPr>
+        <p:spPr>
+          <a:xfrm>
+            <a:off x="1557305" y="4534540"/>
+            <a:ext cx="1851404" cy="477054"/>
+          </a:xfrm>
+          <a:prstGeom prst="rect">
+            <a:avLst/>
+          </a:prstGeom>
+          <a:noFill/>
+        </p:spPr>
+        <p:txBody>
+          <a:bodyPr wrap="none" lIns="91440" tIns="45720" rIns="91440" bIns="45720">
+            <a:spAutoFit/>
+          </a:bodyPr>
+          <a:lstStyle/>
+          <a:p>
+            <a:pPr algn="ctr"/>
+            <a:r>
+              <a:rPr lang="en-GB" sz="2500" b="0" cap="none" spc="0" dirty="0">
+                <a:ln w="0"/>
+                <a:solidFill>
+                  <a:schemeClr val="tx1"/>
+                </a:solidFill>
+                <a:effectLst>
+                  <a:outerShdw blurRad="38100" dist="19050" dir="2700000" algn="tl" rotWithShape="0">
+                    <a:schemeClr val="dk1">
+                      <a:alpha val="40000"/>
+                    </a:schemeClr>
+                  </a:outerShdw>
+                </a:effectLst>
+              </a:rPr>
+              <a:t>Backgrounds</a:t>
+            </a:r>
+          </a:p>
+        </p:txBody>
+      </p:sp>
+    </p:spTree>
+    <p:extLst>
+      <p:ext uri="{BB962C8B-B14F-4D97-AF65-F5344CB8AC3E}">
+        <p14:creationId xmlns:p14="http://schemas.microsoft.com/office/powerpoint/2010/main" val="2310449871"/>
+      </p:ext>
+    </p:extLst>
+  </p:cSld>
+  <p:clrMapOvr>
+    <a:masterClrMapping/>
+  </p:clrMapOvr>
+</p:sld>
+</file>
+
+<file path=ppt/slides/slide7.xml><?xml version="1.0" encoding="utf-8"?>
+<p:sld xmlns:a="http://schemas.openxmlformats.org/drawingml/2006/main" xmlns:r="http://schemas.openxmlformats.org/officeDocument/2006/relationships" xmlns:p="http://schemas.openxmlformats.org/presentationml/2006/main">
+  <p:cSld>
+    <p:bg>
+      <p:bgPr>
+        <a:solidFill>
+          <a:schemeClr val="bg1"/>
+        </a:solidFill>
+        <a:effectLst/>
+      </p:bgPr>
+    </p:bg>
+    <p:spTree>
+      <p:nvGrpSpPr>
+        <p:cNvPr id="1" name=""/>
+        <p:cNvGrpSpPr/>
+        <p:nvPr/>
+      </p:nvGrpSpPr>
+      <p:grpSpPr>
+        <a:xfrm>
+          <a:off x="0" y="0"/>
+          <a:ext cx="0" cy="0"/>
+          <a:chOff x="0" y="0"/>
+          <a:chExt cx="0" cy="0"/>
+        </a:xfrm>
+      </p:grpSpPr>
+      <p:sp useBgFill="1">
+        <p:nvSpPr>
+          <p:cNvPr id="18" name="Rectangle 17">
+            <a:extLst>
+              <a:ext uri="{FF2B5EF4-FFF2-40B4-BE49-F238E27FC236}">
+                <a16:creationId xmlns:a16="http://schemas.microsoft.com/office/drawing/2014/main" id="{72018E1B-E0B9-4440-AFF3-4112E50A2763}"/>
+              </a:ext>
+              <a:ext uri="{C183D7F6-B498-43B3-948B-1728B52AA6E4}">
+                <adec:decorative xmlns:adec="http://schemas.microsoft.com/office/drawing/2017/decorative" val="1"/>
+              </a:ext>
+            </a:extLst>
+          </p:cNvPr>
+          <p:cNvSpPr>
+            <a:spLocks noGrp="1" noRot="1" noChangeAspect="1" noMove="1" noResize="1" noEditPoints="1" noAdjustHandles="1" noChangeArrowheads="1" noChangeShapeType="1" noTextEdit="1"/>
+          </p:cNvSpPr>
+          <p:nvPr>
+            <p:extLst>
+              <p:ext uri="{386F3935-93C4-4BCD-93E2-E3B085C9AB24}">
+                <p16:designElem xmlns:p16="http://schemas.microsoft.com/office/powerpoint/2015/main" val="1"/>
+              </p:ext>
+            </p:extLst>
+          </p:nvPr>
+        </p:nvSpPr>
+        <p:spPr>
+          <a:xfrm>
+            <a:off x="-1" y="0"/>
+            <a:ext cx="12188952" cy="6858000"/>
+          </a:xfrm>
+          <a:prstGeom prst="rect">
+            <a:avLst/>
+          </a:prstGeom>
+          <a:ln>
+            <a:noFill/>
+          </a:ln>
+        </p:spPr>
+        <p:style>
+          <a:lnRef idx="2">
+            <a:schemeClr val="accent1">
+              <a:shade val="50000"/>
+            </a:schemeClr>
+          </a:lnRef>
+          <a:fillRef idx="1">
+            <a:schemeClr val="accent1"/>
+          </a:fillRef>
+          <a:effectRef idx="0">
+            <a:schemeClr val="accent1"/>
+          </a:effectRef>
+          <a:fontRef idx="minor">
+            <a:schemeClr val="lt1"/>
+          </a:fontRef>
+        </p:style>
+        <p:txBody>
+          <a:bodyPr rtlCol="0" anchor="ctr"/>
+          <a:lstStyle/>
+          <a:p>
+            <a:pPr algn="ctr"/>
+            <a:endParaRPr lang="en-US"/>
+          </a:p>
+        </p:txBody>
+      </p:sp>
+      <p:pic>
+        <p:nvPicPr>
+          <p:cNvPr id="7" name="Picture 6" descr="Shape&#10;&#10;Description automatically generated">
+            <a:extLst>
+              <a:ext uri="{FF2B5EF4-FFF2-40B4-BE49-F238E27FC236}">
+                <a16:creationId xmlns:a16="http://schemas.microsoft.com/office/drawing/2014/main" id="{98C4CC67-2B3F-2540-9650-24E30CC57CA6}"/>
+              </a:ext>
+            </a:extLst>
+          </p:cNvPr>
+          <p:cNvPicPr>
+            <a:picLocks noChangeAspect="1"/>
+          </p:cNvPicPr>
+          <p:nvPr/>
+        </p:nvPicPr>
+        <p:blipFill rotWithShape="1">
+          <a:blip r:embed="rId3">
+            <a:extLst>
+              <a:ext uri="{28A0092B-C50C-407E-A947-70E740481C1C}">
+                <a14:useLocalDpi xmlns:a14="http://schemas.microsoft.com/office/drawing/2010/main" val="0"/>
+              </a:ext>
+            </a:extLst>
+          </a:blip>
+          <a:srcRect l="7510" r="21006" b="-1"/>
+          <a:stretch/>
+        </p:blipFill>
+        <p:spPr>
+          <a:xfrm>
+            <a:off x="184558" y="187900"/>
+            <a:ext cx="2255462" cy="3155238"/>
+          </a:xfrm>
+          <a:prstGeom prst="rect">
+            <a:avLst/>
+          </a:prstGeom>
+        </p:spPr>
+      </p:pic>
+      <p:pic>
+        <p:nvPicPr>
+          <p:cNvPr id="13" name="Picture 12" descr="Shape&#10;&#10;Description automatically generated">
+            <a:extLst>
+              <a:ext uri="{FF2B5EF4-FFF2-40B4-BE49-F238E27FC236}">
+                <a16:creationId xmlns:a16="http://schemas.microsoft.com/office/drawing/2014/main" id="{03C24205-DC7C-014E-9C1B-8D907887464B}"/>
+              </a:ext>
+            </a:extLst>
+          </p:cNvPr>
+          <p:cNvPicPr>
+            <a:picLocks noChangeAspect="1"/>
+          </p:cNvPicPr>
+          <p:nvPr/>
+        </p:nvPicPr>
+        <p:blipFill rotWithShape="1">
+          <a:blip r:embed="rId4">
+            <a:extLst>
+              <a:ext uri="{28A0092B-C50C-407E-A947-70E740481C1C}">
+                <a14:useLocalDpi xmlns:a14="http://schemas.microsoft.com/office/drawing/2010/main" val="0"/>
+              </a:ext>
+            </a:extLst>
+          </a:blip>
+          <a:srcRect l="9205" r="19311" b="-1"/>
+          <a:stretch/>
+        </p:blipFill>
+        <p:spPr>
+          <a:xfrm>
+            <a:off x="2575696" y="187900"/>
+            <a:ext cx="2255462" cy="3155238"/>
+          </a:xfrm>
+          <a:prstGeom prst="rect">
+            <a:avLst/>
+          </a:prstGeom>
+        </p:spPr>
+      </p:pic>
+      <p:pic>
+        <p:nvPicPr>
+          <p:cNvPr id="5" name="Picture 4" descr="Shape&#10;&#10;Description automatically generated">
+            <a:extLst>
+              <a:ext uri="{FF2B5EF4-FFF2-40B4-BE49-F238E27FC236}">
+                <a16:creationId xmlns:a16="http://schemas.microsoft.com/office/drawing/2014/main" id="{F45E5E03-2521-6940-BC48-B3124898AFA7}"/>
+              </a:ext>
+            </a:extLst>
+          </p:cNvPr>
+          <p:cNvPicPr>
+            <a:picLocks noChangeAspect="1"/>
+          </p:cNvPicPr>
+          <p:nvPr/>
+        </p:nvPicPr>
+        <p:blipFill rotWithShape="1">
+          <a:blip r:embed="rId5">
+            <a:extLst>
+              <a:ext uri="{28A0092B-C50C-407E-A947-70E740481C1C}">
+                <a14:useLocalDpi xmlns:a14="http://schemas.microsoft.com/office/drawing/2010/main" val="0"/>
+              </a:ext>
+            </a:extLst>
+          </a:blip>
+          <a:srcRect l="20053" r="8463" b="-1"/>
+          <a:stretch/>
+        </p:blipFill>
+        <p:spPr>
+          <a:xfrm>
+            <a:off x="4966833" y="187900"/>
+            <a:ext cx="2255462" cy="3155238"/>
+          </a:xfrm>
+          <a:prstGeom prst="rect">
+            <a:avLst/>
+          </a:prstGeom>
+        </p:spPr>
+      </p:pic>
+      <p:pic>
+        <p:nvPicPr>
+          <p:cNvPr id="11" name="Picture 10" descr="Shape&#10;&#10;Description automatically generated">
+            <a:extLst>
+              <a:ext uri="{FF2B5EF4-FFF2-40B4-BE49-F238E27FC236}">
+                <a16:creationId xmlns:a16="http://schemas.microsoft.com/office/drawing/2014/main" id="{95D041CE-16BB-904E-A694-400733CFFDB9}"/>
+              </a:ext>
+            </a:extLst>
+          </p:cNvPr>
+          <p:cNvPicPr>
+            <a:picLocks noChangeAspect="1"/>
+          </p:cNvPicPr>
+          <p:nvPr/>
+        </p:nvPicPr>
+        <p:blipFill rotWithShape="1">
+          <a:blip r:embed="rId6">
+            <a:extLst>
+              <a:ext uri="{28A0092B-C50C-407E-A947-70E740481C1C}">
+                <a14:useLocalDpi xmlns:a14="http://schemas.microsoft.com/office/drawing/2010/main" val="0"/>
+              </a:ext>
+            </a:extLst>
+          </a:blip>
+          <a:srcRect l="19725" r="8791" b="-1"/>
+          <a:stretch/>
+        </p:blipFill>
+        <p:spPr>
+          <a:xfrm>
+            <a:off x="7357971" y="187900"/>
+            <a:ext cx="2255462" cy="3155238"/>
+          </a:xfrm>
+          <a:prstGeom prst="rect">
+            <a:avLst/>
+          </a:prstGeom>
+        </p:spPr>
+      </p:pic>
+      <p:pic>
+        <p:nvPicPr>
+          <p:cNvPr id="9" name="Picture 8" descr="Shape&#10;&#10;Description automatically generated">
+            <a:extLst>
+              <a:ext uri="{FF2B5EF4-FFF2-40B4-BE49-F238E27FC236}">
+                <a16:creationId xmlns:a16="http://schemas.microsoft.com/office/drawing/2014/main" id="{05177738-7E0B-FA4B-B03C-66FEA26A1030}"/>
+              </a:ext>
+            </a:extLst>
+          </p:cNvPr>
+          <p:cNvPicPr>
+            <a:picLocks noChangeAspect="1"/>
+          </p:cNvPicPr>
+          <p:nvPr/>
+        </p:nvPicPr>
+        <p:blipFill rotWithShape="1">
+          <a:blip r:embed="rId7">
+            <a:extLst>
+              <a:ext uri="{28A0092B-C50C-407E-A947-70E740481C1C}">
+                <a14:useLocalDpi xmlns:a14="http://schemas.microsoft.com/office/drawing/2010/main" val="0"/>
+              </a:ext>
+            </a:extLst>
+          </a:blip>
+          <a:srcRect l="28517" r="-1" b="-1"/>
+          <a:stretch/>
+        </p:blipFill>
+        <p:spPr>
+          <a:xfrm>
+            <a:off x="9749109" y="187900"/>
+            <a:ext cx="2255462" cy="3155238"/>
+          </a:xfrm>
+          <a:prstGeom prst="rect">
+            <a:avLst/>
+          </a:prstGeom>
+        </p:spPr>
+      </p:pic>
+      <p:sp>
+        <p:nvSpPr>
+          <p:cNvPr id="14" name="Rectangle 13">
+            <a:extLst>
+              <a:ext uri="{FF2B5EF4-FFF2-40B4-BE49-F238E27FC236}">
+                <a16:creationId xmlns:a16="http://schemas.microsoft.com/office/drawing/2014/main" id="{159FF3F5-DCE1-C341-B1E5-2D73449E5F74}"/>
+              </a:ext>
+            </a:extLst>
+          </p:cNvPr>
+          <p:cNvSpPr/>
+          <p:nvPr/>
+        </p:nvSpPr>
+        <p:spPr>
+          <a:xfrm>
+            <a:off x="212514" y="3243109"/>
+            <a:ext cx="2178802" cy="784830"/>
+          </a:xfrm>
+          <a:prstGeom prst="rect">
+            <a:avLst/>
+          </a:prstGeom>
+          <a:noFill/>
+        </p:spPr>
+        <p:txBody>
+          <a:bodyPr wrap="none" lIns="91440" tIns="45720" rIns="91440" bIns="45720">
+            <a:spAutoFit/>
+          </a:bodyPr>
+          <a:lstStyle/>
+          <a:p>
+            <a:pPr algn="ctr"/>
+            <a:r>
+              <a:rPr lang="en-GB" sz="4500" dirty="0">
+                <a:ln w="0"/>
+                <a:gradFill>
+                  <a:gsLst>
+                    <a:gs pos="0">
+                      <a:schemeClr val="accent5">
+                        <a:lumMod val="50000"/>
+                      </a:schemeClr>
+                    </a:gs>
+                    <a:gs pos="50000">
+                      <a:schemeClr val="accent5"/>
+                    </a:gs>
+                    <a:gs pos="100000">
+                      <a:schemeClr val="accent5">
+                        <a:lumMod val="60000"/>
+                        <a:lumOff val="40000"/>
+                      </a:schemeClr>
+                    </a:gs>
+                  </a:gsLst>
+                  <a:lin ang="5400000"/>
+                </a:gradFill>
+                <a:effectLst>
+                  <a:reflection blurRad="6350" stA="53000" endA="300" endPos="35500" dir="5400000" sy="-90000" algn="bl" rotWithShape="0"/>
+                </a:effectLst>
+              </a:rPr>
+              <a:t>Picasso0</a:t>
+            </a:r>
+            <a:endParaRPr lang="en-GB" sz="4500" b="0" cap="none" spc="0" dirty="0">
+              <a:ln w="0"/>
+              <a:gradFill>
+                <a:gsLst>
+                  <a:gs pos="0">
+                    <a:schemeClr val="accent5">
+                      <a:lumMod val="50000"/>
+                    </a:schemeClr>
+                  </a:gs>
+                  <a:gs pos="50000">
+                    <a:schemeClr val="accent5"/>
+                  </a:gs>
+                  <a:gs pos="100000">
+                    <a:schemeClr val="accent5">
+                      <a:lumMod val="60000"/>
+                      <a:lumOff val="40000"/>
+                    </a:schemeClr>
+                  </a:gs>
+                </a:gsLst>
+                <a:lin ang="5400000"/>
+              </a:gradFill>
+              <a:effectLst>
+                <a:reflection blurRad="6350" stA="53000" endA="300" endPos="35500" dir="5400000" sy="-90000" algn="bl" rotWithShape="0"/>
+              </a:effectLst>
+            </a:endParaRPr>
+          </a:p>
+        </p:txBody>
+      </p:sp>
+      <p:sp>
+        <p:nvSpPr>
+          <p:cNvPr id="16" name="Rectangle 15">
+            <a:extLst>
+              <a:ext uri="{FF2B5EF4-FFF2-40B4-BE49-F238E27FC236}">
+                <a16:creationId xmlns:a16="http://schemas.microsoft.com/office/drawing/2014/main" id="{C446E31D-6161-F346-AB5B-F69FB83DB395}"/>
+              </a:ext>
+            </a:extLst>
+          </p:cNvPr>
+          <p:cNvSpPr/>
+          <p:nvPr/>
+        </p:nvSpPr>
+        <p:spPr>
+          <a:xfrm>
+            <a:off x="2652534" y="3270748"/>
+            <a:ext cx="2178803" cy="784830"/>
+          </a:xfrm>
+          <a:prstGeom prst="rect">
+            <a:avLst/>
+          </a:prstGeom>
+          <a:noFill/>
+        </p:spPr>
+        <p:txBody>
+          <a:bodyPr wrap="none" lIns="91440" tIns="45720" rIns="91440" bIns="45720">
+            <a:spAutoFit/>
+          </a:bodyPr>
+          <a:lstStyle/>
+          <a:p>
+            <a:pPr algn="ctr"/>
+            <a:r>
+              <a:rPr lang="en-GB" sz="4500" dirty="0">
+                <a:ln w="0"/>
+                <a:gradFill>
+                  <a:gsLst>
+                    <a:gs pos="0">
+                      <a:schemeClr val="accent5">
+                        <a:lumMod val="50000"/>
+                      </a:schemeClr>
+                    </a:gs>
+                    <a:gs pos="50000">
+                      <a:schemeClr val="accent5"/>
+                    </a:gs>
+                    <a:gs pos="100000">
+                      <a:schemeClr val="accent5">
+                        <a:lumMod val="60000"/>
+                        <a:lumOff val="40000"/>
+                      </a:schemeClr>
+                    </a:gs>
+                  </a:gsLst>
+                  <a:lin ang="5400000"/>
+                </a:gradFill>
+                <a:effectLst>
+                  <a:reflection blurRad="6350" stA="53000" endA="300" endPos="35500" dir="5400000" sy="-90000" algn="bl" rotWithShape="0"/>
+                </a:effectLst>
+              </a:rPr>
+              <a:t>Picasso1</a:t>
+            </a:r>
+            <a:endParaRPr lang="en-GB" sz="4500" b="0" cap="none" spc="0" dirty="0">
+              <a:ln w="0"/>
+              <a:gradFill>
+                <a:gsLst>
+                  <a:gs pos="0">
+                    <a:schemeClr val="accent5">
+                      <a:lumMod val="50000"/>
+                    </a:schemeClr>
+                  </a:gs>
+                  <a:gs pos="50000">
+                    <a:schemeClr val="accent5"/>
+                  </a:gs>
+                  <a:gs pos="100000">
+                    <a:schemeClr val="accent5">
+                      <a:lumMod val="60000"/>
+                      <a:lumOff val="40000"/>
+                    </a:schemeClr>
+                  </a:gs>
+                </a:gsLst>
+                <a:lin ang="5400000"/>
+              </a:gradFill>
+              <a:effectLst>
+                <a:reflection blurRad="6350" stA="53000" endA="300" endPos="35500" dir="5400000" sy="-90000" algn="bl" rotWithShape="0"/>
+              </a:effectLst>
+            </a:endParaRPr>
+          </a:p>
+        </p:txBody>
+      </p:sp>
+      <p:sp>
+        <p:nvSpPr>
+          <p:cNvPr id="17" name="Rectangle 16">
+            <a:extLst>
+              <a:ext uri="{FF2B5EF4-FFF2-40B4-BE49-F238E27FC236}">
+                <a16:creationId xmlns:a16="http://schemas.microsoft.com/office/drawing/2014/main" id="{483BA01B-F9C1-784E-9333-32CAFE479CDA}"/>
+              </a:ext>
+            </a:extLst>
+          </p:cNvPr>
+          <p:cNvSpPr/>
+          <p:nvPr/>
+        </p:nvSpPr>
+        <p:spPr>
+          <a:xfrm>
+            <a:off x="4966653" y="3307531"/>
+            <a:ext cx="2178803" cy="784830"/>
+          </a:xfrm>
+          <a:prstGeom prst="rect">
+            <a:avLst/>
+          </a:prstGeom>
+          <a:noFill/>
+        </p:spPr>
+        <p:txBody>
+          <a:bodyPr wrap="none" lIns="91440" tIns="45720" rIns="91440" bIns="45720">
+            <a:spAutoFit/>
+          </a:bodyPr>
+          <a:lstStyle/>
+          <a:p>
+            <a:pPr algn="ctr"/>
+            <a:r>
+              <a:rPr lang="en-GB" sz="4500" dirty="0">
+                <a:ln w="0"/>
+                <a:gradFill>
+                  <a:gsLst>
+                    <a:gs pos="0">
+                      <a:schemeClr val="accent5">
+                        <a:lumMod val="50000"/>
+                      </a:schemeClr>
+                    </a:gs>
+                    <a:gs pos="50000">
+                      <a:schemeClr val="accent5"/>
+                    </a:gs>
+                    <a:gs pos="100000">
+                      <a:schemeClr val="accent5">
+                        <a:lumMod val="60000"/>
+                        <a:lumOff val="40000"/>
+                      </a:schemeClr>
+                    </a:gs>
+                  </a:gsLst>
+                  <a:lin ang="5400000"/>
+                </a:gradFill>
+                <a:effectLst>
+                  <a:reflection blurRad="6350" stA="53000" endA="300" endPos="35500" dir="5400000" sy="-90000" algn="bl" rotWithShape="0"/>
+                </a:effectLst>
+              </a:rPr>
+              <a:t>Picasso2</a:t>
+            </a:r>
+            <a:endParaRPr lang="en-GB" sz="4500" b="0" cap="none" spc="0" dirty="0">
+              <a:ln w="0"/>
+              <a:gradFill>
+                <a:gsLst>
+                  <a:gs pos="0">
+                    <a:schemeClr val="accent5">
+                      <a:lumMod val="50000"/>
+                    </a:schemeClr>
+                  </a:gs>
+                  <a:gs pos="50000">
+                    <a:schemeClr val="accent5"/>
+                  </a:gs>
+                  <a:gs pos="100000">
+                    <a:schemeClr val="accent5">
+                      <a:lumMod val="60000"/>
+                      <a:lumOff val="40000"/>
+                    </a:schemeClr>
+                  </a:gs>
+                </a:gsLst>
+                <a:lin ang="5400000"/>
+              </a:gradFill>
+              <a:effectLst>
+                <a:reflection blurRad="6350" stA="53000" endA="300" endPos="35500" dir="5400000" sy="-90000" algn="bl" rotWithShape="0"/>
+              </a:effectLst>
+            </a:endParaRPr>
+          </a:p>
+        </p:txBody>
+      </p:sp>
+      <p:sp>
+        <p:nvSpPr>
+          <p:cNvPr id="19" name="Rectangle 18">
+            <a:extLst>
+              <a:ext uri="{FF2B5EF4-FFF2-40B4-BE49-F238E27FC236}">
+                <a16:creationId xmlns:a16="http://schemas.microsoft.com/office/drawing/2014/main" id="{63FF322A-25EF-3F48-B798-1F76A42CB2E3}"/>
+              </a:ext>
+            </a:extLst>
+          </p:cNvPr>
+          <p:cNvSpPr/>
+          <p:nvPr/>
+        </p:nvSpPr>
+        <p:spPr>
+          <a:xfrm>
+            <a:off x="7357790" y="3307531"/>
+            <a:ext cx="2178803" cy="784830"/>
+          </a:xfrm>
+          <a:prstGeom prst="rect">
+            <a:avLst/>
+          </a:prstGeom>
+          <a:noFill/>
+        </p:spPr>
+        <p:txBody>
+          <a:bodyPr wrap="none" lIns="91440" tIns="45720" rIns="91440" bIns="45720">
+            <a:spAutoFit/>
+          </a:bodyPr>
+          <a:lstStyle/>
+          <a:p>
+            <a:pPr algn="ctr"/>
+            <a:r>
+              <a:rPr lang="en-GB" sz="4500" dirty="0">
+                <a:ln w="0"/>
+                <a:gradFill>
+                  <a:gsLst>
+                    <a:gs pos="0">
+                      <a:schemeClr val="accent5">
+                        <a:lumMod val="50000"/>
+                      </a:schemeClr>
+                    </a:gs>
+                    <a:gs pos="50000">
+                      <a:schemeClr val="accent5"/>
+                    </a:gs>
+                    <a:gs pos="100000">
+                      <a:schemeClr val="accent5">
+                        <a:lumMod val="60000"/>
+                        <a:lumOff val="40000"/>
+                      </a:schemeClr>
+                    </a:gs>
+                  </a:gsLst>
+                  <a:lin ang="5400000"/>
+                </a:gradFill>
+                <a:effectLst>
+                  <a:reflection blurRad="6350" stA="53000" endA="300" endPos="35500" dir="5400000" sy="-90000" algn="bl" rotWithShape="0"/>
+                </a:effectLst>
+              </a:rPr>
+              <a:t>Picasso3</a:t>
+            </a:r>
+            <a:endParaRPr lang="en-GB" sz="4500" b="0" cap="none" spc="0" dirty="0">
+              <a:ln w="0"/>
+              <a:gradFill>
+                <a:gsLst>
+                  <a:gs pos="0">
+                    <a:schemeClr val="accent5">
+                      <a:lumMod val="50000"/>
+                    </a:schemeClr>
+                  </a:gs>
+                  <a:gs pos="50000">
+                    <a:schemeClr val="accent5"/>
+                  </a:gs>
+                  <a:gs pos="100000">
+                    <a:schemeClr val="accent5">
+                      <a:lumMod val="60000"/>
+                      <a:lumOff val="40000"/>
+                    </a:schemeClr>
+                  </a:gs>
+                </a:gsLst>
+                <a:lin ang="5400000"/>
+              </a:gradFill>
+              <a:effectLst>
+                <a:reflection blurRad="6350" stA="53000" endA="300" endPos="35500" dir="5400000" sy="-90000" algn="bl" rotWithShape="0"/>
+              </a:effectLst>
+            </a:endParaRPr>
+          </a:p>
+        </p:txBody>
+      </p:sp>
+      <p:sp>
+        <p:nvSpPr>
+          <p:cNvPr id="20" name="Rectangle 19">
+            <a:extLst>
+              <a:ext uri="{FF2B5EF4-FFF2-40B4-BE49-F238E27FC236}">
+                <a16:creationId xmlns:a16="http://schemas.microsoft.com/office/drawing/2014/main" id="{919F07A5-BF7B-A148-B62D-67DEE4449CB8}"/>
+              </a:ext>
+            </a:extLst>
+          </p:cNvPr>
+          <p:cNvSpPr/>
+          <p:nvPr/>
+        </p:nvSpPr>
+        <p:spPr>
+          <a:xfrm>
+            <a:off x="9797635" y="3316882"/>
+            <a:ext cx="2178803" cy="784830"/>
+          </a:xfrm>
+          <a:prstGeom prst="rect">
+            <a:avLst/>
+          </a:prstGeom>
+          <a:noFill/>
+        </p:spPr>
+        <p:txBody>
+          <a:bodyPr wrap="none" lIns="91440" tIns="45720" rIns="91440" bIns="45720">
+            <a:spAutoFit/>
+          </a:bodyPr>
+          <a:lstStyle/>
+          <a:p>
+            <a:pPr algn="ctr"/>
+            <a:r>
+              <a:rPr lang="en-GB" sz="4500" dirty="0">
+                <a:ln w="0"/>
+                <a:gradFill>
+                  <a:gsLst>
+                    <a:gs pos="0">
+                      <a:schemeClr val="accent5">
+                        <a:lumMod val="50000"/>
+                      </a:schemeClr>
+                    </a:gs>
+                    <a:gs pos="50000">
+                      <a:schemeClr val="accent5"/>
+                    </a:gs>
+                    <a:gs pos="100000">
+                      <a:schemeClr val="accent5">
+                        <a:lumMod val="60000"/>
+                        <a:lumOff val="40000"/>
+                      </a:schemeClr>
+                    </a:gs>
+                  </a:gsLst>
+                  <a:lin ang="5400000"/>
+                </a:gradFill>
+                <a:effectLst>
+                  <a:reflection blurRad="6350" stA="53000" endA="300" endPos="35500" dir="5400000" sy="-90000" algn="bl" rotWithShape="0"/>
+                </a:effectLst>
+              </a:rPr>
+              <a:t>Picasso4</a:t>
+            </a:r>
+            <a:endParaRPr lang="en-GB" sz="4500" b="0" cap="none" spc="0" dirty="0">
+              <a:ln w="0"/>
+              <a:gradFill>
+                <a:gsLst>
+                  <a:gs pos="0">
+                    <a:schemeClr val="accent5">
+                      <a:lumMod val="50000"/>
+                    </a:schemeClr>
+                  </a:gs>
+                  <a:gs pos="50000">
+                    <a:schemeClr val="accent5"/>
+                  </a:gs>
+                  <a:gs pos="100000">
+                    <a:schemeClr val="accent5">
+                      <a:lumMod val="60000"/>
+                      <a:lumOff val="40000"/>
+                    </a:schemeClr>
+                  </a:gs>
+                </a:gsLst>
+                <a:lin ang="5400000"/>
+              </a:gradFill>
+              <a:effectLst>
+                <a:reflection blurRad="6350" stA="53000" endA="300" endPos="35500" dir="5400000" sy="-90000" algn="bl" rotWithShape="0"/>
+              </a:effectLst>
+            </a:endParaRPr>
+          </a:p>
+        </p:txBody>
+      </p:sp>
+      <p:pic>
+        <p:nvPicPr>
+          <p:cNvPr id="27" name="Picture 26" descr="Graphical user interface, text&#10;&#10;Description automatically generated">
+            <a:extLst>
+              <a:ext uri="{FF2B5EF4-FFF2-40B4-BE49-F238E27FC236}">
+                <a16:creationId xmlns:a16="http://schemas.microsoft.com/office/drawing/2014/main" id="{8D4F1BD2-3269-DE45-B91C-34AADEBC355D}"/>
+              </a:ext>
+            </a:extLst>
+          </p:cNvPr>
+          <p:cNvPicPr>
+            <a:picLocks noChangeAspect="1"/>
+          </p:cNvPicPr>
+          <p:nvPr/>
+        </p:nvPicPr>
+        <p:blipFill>
+          <a:blip r:embed="rId8">
+            <a:extLst>
+              <a:ext uri="{28A0092B-C50C-407E-A947-70E740481C1C}">
+                <a14:useLocalDpi xmlns:a14="http://schemas.microsoft.com/office/drawing/2010/main" val="0"/>
+              </a:ext>
+            </a:extLst>
+          </a:blip>
+          <a:stretch>
+            <a:fillRect/>
+          </a:stretch>
+        </p:blipFill>
+        <p:spPr>
+          <a:xfrm>
+            <a:off x="2797682" y="4284308"/>
+            <a:ext cx="6593586" cy="2092128"/>
+          </a:xfrm>
+          <a:prstGeom prst="rect">
+            <a:avLst/>
+          </a:prstGeom>
+        </p:spPr>
+      </p:pic>
+    </p:spTree>
+    <p:extLst>
+      <p:ext uri="{BB962C8B-B14F-4D97-AF65-F5344CB8AC3E}">
+        <p14:creationId xmlns:p14="http://schemas.microsoft.com/office/powerpoint/2010/main" val="2884386806"/>
+      </p:ext>
+    </p:extLst>
+  </p:cSld>
+  <p:clrMapOvr>
+    <a:masterClrMapping/>
+  </p:clrMapOvr>
+</p:sld>
+</file>
+
+<file path=ppt/slides/slide8.xml><?xml version="1.0" encoding="utf-8"?>
+<p:sld xmlns:a="http://schemas.openxmlformats.org/drawingml/2006/main" xmlns:r="http://schemas.openxmlformats.org/officeDocument/2006/relationships" xmlns:p="http://schemas.openxmlformats.org/presentationml/2006/main">
+  <p:cSld>
+    <p:spTree>
+      <p:nvGrpSpPr>
+        <p:cNvPr id="1" name=""/>
+        <p:cNvGrpSpPr/>
+        <p:nvPr/>
+      </p:nvGrpSpPr>
+      <p:grpSpPr>
+        <a:xfrm>
+          <a:off x="0" y="0"/>
+          <a:ext cx="0" cy="0"/>
+          <a:chOff x="0" y="0"/>
+          <a:chExt cx="0" cy="0"/>
+        </a:xfrm>
+      </p:grpSpPr>
+      <p:sp>
+        <p:nvSpPr>
+          <p:cNvPr id="2" name="Title 1"/>
+          <p:cNvSpPr>
+            <a:spLocks noGrp="1"/>
+          </p:cNvSpPr>
+          <p:nvPr>
+            <p:ph type="title"/>
+          </p:nvPr>
+        </p:nvSpPr>
+        <p:spPr/>
+        <p:txBody>
+          <a:bodyPr/>
+          <a:lstStyle/>
+          <a:p>
+            <a:r>
+              <a:rPr lang="en-US" dirty="0"/>
               <a:t>Technology used</a:t>
             </a:r>
-            <a:endParaRPr lang="en-US" dirty="0"/>
           </a:p>
         </p:txBody>
       </p:sp>
@@ -3434,126 +5224,125 @@
           <a:lstStyle/>
           <a:p>
             <a:r>
-              <a:rPr lang="en-US" sz="2000" dirty="0" smtClean="0"/>
+              <a:rPr lang="en-US" sz="2000" dirty="0"/>
               <a:t>Packages:</a:t>
             </a:r>
           </a:p>
           <a:p>
             <a:pPr lvl="1"/>
             <a:r>
-              <a:rPr lang="en-US" sz="2000" dirty="0" smtClean="0"/>
+              <a:rPr lang="en-US" sz="2000" dirty="0"/>
               <a:t>PIL from Image</a:t>
             </a:r>
           </a:p>
           <a:p>
             <a:pPr lvl="1"/>
             <a:r>
-              <a:rPr lang="en-US" sz="2000" dirty="0" err="1" smtClean="0"/>
+              <a:rPr lang="en-US" sz="2000" dirty="0" err="1"/>
               <a:t>Ipython</a:t>
             </a:r>
             <a:r>
-              <a:rPr lang="en-US" sz="2000" dirty="0" smtClean="0"/>
+              <a:rPr lang="en-US" sz="2000" dirty="0"/>
               <a:t> from display</a:t>
             </a:r>
           </a:p>
           <a:p>
             <a:pPr lvl="1"/>
             <a:r>
-              <a:rPr lang="en-US" sz="2000" dirty="0" smtClean="0"/>
+              <a:rPr lang="en-US" sz="2000" dirty="0"/>
               <a:t>Random</a:t>
             </a:r>
           </a:p>
           <a:p>
             <a:pPr lvl="1"/>
             <a:r>
-              <a:rPr lang="en-US" sz="2000" dirty="0" err="1" smtClean="0"/>
+              <a:rPr lang="en-US" sz="2000" dirty="0" err="1"/>
               <a:t>Json</a:t>
             </a:r>
-            <a:endParaRPr lang="en-US" sz="2000" dirty="0" smtClean="0"/>
-          </a:p>
-          <a:p>
-            <a:r>
-              <a:rPr lang="en-US" sz="2000" dirty="0" err="1" smtClean="0"/>
+            <a:endParaRPr lang="en-US" sz="2000" dirty="0"/>
+          </a:p>
+          <a:p>
+            <a:r>
+              <a:rPr lang="en-US" sz="2000" dirty="0" err="1"/>
               <a:t>Jupyter</a:t>
             </a:r>
             <a:r>
-              <a:rPr lang="en-US" sz="2000" dirty="0" smtClean="0"/>
+              <a:rPr lang="en-US" sz="2000" dirty="0"/>
               <a:t> Lab</a:t>
             </a:r>
           </a:p>
           <a:p>
             <a:r>
-              <a:rPr lang="en-US" sz="2000" dirty="0" smtClean="0"/>
+              <a:rPr lang="en-US" sz="2000" dirty="0"/>
               <a:t>Power shell</a:t>
             </a:r>
           </a:p>
           <a:p>
             <a:r>
-              <a:rPr lang="en-US" sz="2000" dirty="0" err="1" smtClean="0"/>
+              <a:rPr lang="en-US" sz="2000" dirty="0" err="1"/>
               <a:t>NexJS</a:t>
             </a:r>
             <a:r>
-              <a:rPr lang="en-US" sz="2000" dirty="0" smtClean="0"/>
+              <a:rPr lang="en-US" sz="2000" dirty="0"/>
               <a:t> polygon</a:t>
             </a:r>
           </a:p>
           <a:p>
             <a:r>
-              <a:rPr lang="en-US" sz="2000" dirty="0" err="1" smtClean="0"/>
+              <a:rPr lang="en-US" sz="2000" dirty="0" err="1"/>
               <a:t>Metamass</a:t>
             </a:r>
-            <a:endParaRPr lang="en-US" sz="2000" dirty="0" smtClean="0"/>
-          </a:p>
-          <a:p>
-            <a:r>
-              <a:rPr lang="en-US" sz="2000" dirty="0" err="1" smtClean="0"/>
+            <a:endParaRPr lang="en-US" sz="2000" dirty="0"/>
+          </a:p>
+          <a:p>
+            <a:r>
+              <a:rPr lang="en-US" sz="2000" dirty="0" err="1"/>
               <a:t>Solidarty</a:t>
             </a:r>
             <a:r>
-              <a:rPr lang="en-US" sz="2000" dirty="0" smtClean="0"/>
+              <a:rPr lang="en-US" sz="2000" dirty="0"/>
               <a:t> </a:t>
             </a:r>
           </a:p>
           <a:p>
             <a:r>
-              <a:rPr lang="en-US" sz="2000" dirty="0" err="1" smtClean="0"/>
+              <a:rPr lang="en-US" sz="2000" dirty="0" err="1"/>
               <a:t>Javascript</a:t>
             </a:r>
-            <a:endParaRPr lang="en-US" sz="2000" dirty="0" smtClean="0"/>
-          </a:p>
-          <a:p>
-            <a:r>
-              <a:rPr lang="en-US" sz="2000" dirty="0" smtClean="0"/>
+            <a:endParaRPr lang="en-US" sz="2000" dirty="0"/>
+          </a:p>
+          <a:p>
+            <a:r>
+              <a:rPr lang="en-US" sz="2000" dirty="0"/>
               <a:t>Open </a:t>
             </a:r>
             <a:r>
-              <a:rPr lang="en-US" sz="2000" dirty="0" err="1" smtClean="0"/>
+              <a:rPr lang="en-US" sz="2000" dirty="0" err="1"/>
               <a:t>zeplin</a:t>
             </a:r>
             <a:r>
-              <a:rPr lang="en-US" sz="2000" dirty="0" smtClean="0"/>
+              <a:rPr lang="en-US" sz="2000" dirty="0"/>
               <a:t> </a:t>
             </a:r>
           </a:p>
           <a:p>
             <a:r>
-              <a:rPr lang="en-US" sz="2000" dirty="0" err="1" smtClean="0"/>
+              <a:rPr lang="en-US" sz="2000" dirty="0" err="1"/>
               <a:t>Toxenonmics</a:t>
             </a:r>
-            <a:endParaRPr lang="en-US" sz="2000" dirty="0" smtClean="0"/>
-          </a:p>
-          <a:p>
-            <a:r>
-              <a:rPr lang="en-US" sz="2000" dirty="0" smtClean="0"/>
+            <a:endParaRPr lang="en-US" sz="2000" dirty="0"/>
+          </a:p>
+          <a:p>
+            <a:r>
+              <a:rPr lang="en-US" sz="2000" dirty="0"/>
               <a:t>Hard hat</a:t>
             </a:r>
           </a:p>
           <a:p>
             <a:r>
-              <a:rPr lang="en-US" sz="2000" dirty="0" smtClean="0"/>
+              <a:rPr lang="en-US" sz="2000" dirty="0"/>
               <a:t>Web3modal</a:t>
             </a:r>
-            <a:endParaRPr lang="en-US" sz="2000" dirty="0"/>
           </a:p>
         </p:txBody>
       </p:sp>
@@ -3829,4 +5618,299 @@
     </a:ext>
   </a:extLst>
 </a:theme>
+</file>
+
+<file path=ppt/theme/theme2.xml><?xml version="1.0" encoding="utf-8"?>
+<a:theme xmlns:a="http://schemas.openxmlformats.org/drawingml/2006/main" name="Office Theme">
+  <a:themeElements>
+    <a:clrScheme name="Office">
+      <a:dk1>
+        <a:sysClr val="windowText" lastClr="000000"/>
+      </a:dk1>
+      <a:lt1>
+        <a:sysClr val="window" lastClr="FFFFFF"/>
+      </a:lt1>
+      <a:dk2>
+        <a:srgbClr val="44546A"/>
+      </a:dk2>
+      <a:lt2>
+        <a:srgbClr val="E7E6E6"/>
+      </a:lt2>
+      <a:accent1>
+        <a:srgbClr val="4472C4"/>
+      </a:accent1>
+      <a:accent2>
+        <a:srgbClr val="ED7D31"/>
+      </a:accent2>
+      <a:accent3>
+        <a:srgbClr val="A5A5A5"/>
+      </a:accent3>
+      <a:accent4>
+        <a:srgbClr val="FFC000"/>
+      </a:accent4>
+      <a:accent5>
+        <a:srgbClr val="5B9BD5"/>
+      </a:accent5>
+      <a:accent6>
+        <a:srgbClr val="70AD47"/>
+      </a:accent6>
+      <a:hlink>
+        <a:srgbClr val="0563C1"/>
+      </a:hlink>
+      <a:folHlink>
+        <a:srgbClr val="954F72"/>
+      </a:folHlink>
+    </a:clrScheme>
+    <a:fontScheme name="Office">
+      <a:majorFont>
+        <a:latin typeface="Calibri Light" panose="020F0302020204030204"/>
+        <a:ea typeface=""/>
+        <a:cs typeface=""/>
+        <a:font script="Jpan" typeface="游ゴシック Light"/>
+        <a:font script="Hang" typeface="맑은 고딕"/>
+        <a:font script="Hans" typeface="等线 Light"/>
+        <a:font script="Hant" typeface="新細明體"/>
+        <a:font script="Arab" typeface="Times New Roman"/>
+        <a:font script="Hebr" typeface="Times New Roman"/>
+        <a:font script="Thai" typeface="Angsana New"/>
+        <a:font script="Ethi" typeface="Nyala"/>
+        <a:font script="Beng" typeface="Vrinda"/>
+        <a:font script="Gujr" typeface="Shruti"/>
+        <a:font script="Khmr" typeface="MoolBoran"/>
+        <a:font script="Knda" typeface="Tunga"/>
+        <a:font script="Guru" typeface="Raavi"/>
+        <a:font script="Cans" typeface="Euphemia"/>
+        <a:font script="Cher" typeface="Plantagenet Cherokee"/>
+        <a:font script="Yiii" typeface="Microsoft Yi Baiti"/>
+        <a:font script="Tibt" typeface="Microsoft Himalaya"/>
+        <a:font script="Thaa" typeface="MV Boli"/>
+        <a:font script="Deva" typeface="Mangal"/>
+        <a:font script="Telu" typeface="Gautami"/>
+        <a:font script="Taml" typeface="Latha"/>
+        <a:font script="Syrc" typeface="Estrangelo Edessa"/>
+        <a:font script="Orya" typeface="Kalinga"/>
+        <a:font script="Mlym" typeface="Kartika"/>
+        <a:font script="Laoo" typeface="DokChampa"/>
+        <a:font script="Sinh" typeface="Iskoola Pota"/>
+        <a:font script="Mong" typeface="Mongolian Baiti"/>
+        <a:font script="Viet" typeface="Times New Roman"/>
+        <a:font script="Uigh" typeface="Microsoft Uighur"/>
+        <a:font script="Geor" typeface="Sylfaen"/>
+        <a:font script="Armn" typeface="Arial"/>
+        <a:font script="Bugi" typeface="Leelawadee UI"/>
+        <a:font script="Bopo" typeface="Microsoft JhengHei"/>
+        <a:font script="Java" typeface="Javanese Text"/>
+        <a:font script="Lisu" typeface="Segoe UI"/>
+        <a:font script="Mymr" typeface="Myanmar Text"/>
+        <a:font script="Nkoo" typeface="Ebrima"/>
+        <a:font script="Olck" typeface="Nirmala UI"/>
+        <a:font script="Osma" typeface="Ebrima"/>
+        <a:font script="Phag" typeface="Phagspa"/>
+        <a:font script="Syrn" typeface="Estrangelo Edessa"/>
+        <a:font script="Syrj" typeface="Estrangelo Edessa"/>
+        <a:font script="Syre" typeface="Estrangelo Edessa"/>
+        <a:font script="Sora" typeface="Nirmala UI"/>
+        <a:font script="Tale" typeface="Microsoft Tai Le"/>
+        <a:font script="Talu" typeface="Microsoft New Tai Lue"/>
+        <a:font script="Tfng" typeface="Ebrima"/>
+      </a:majorFont>
+      <a:minorFont>
+        <a:latin typeface="Calibri" panose="020F0502020204030204"/>
+        <a:ea typeface=""/>
+        <a:cs typeface=""/>
+        <a:font script="Jpan" typeface="游ゴシック"/>
+        <a:font script="Hang" typeface="맑은 고딕"/>
+        <a:font script="Hans" typeface="等线"/>
+        <a:font script="Hant" typeface="新細明體"/>
+        <a:font script="Arab" typeface="Arial"/>
+        <a:font script="Hebr" typeface="Arial"/>
+        <a:font script="Thai" typeface="Cordia New"/>
+        <a:font script="Ethi" typeface="Nyala"/>
+        <a:font script="Beng" typeface="Vrinda"/>
+        <a:font script="Gujr" typeface="Shruti"/>
+        <a:font script="Khmr" typeface="DaunPenh"/>
+        <a:font script="Knda" typeface="Tunga"/>
+        <a:font script="Guru" typeface="Raavi"/>
+        <a:font script="Cans" typeface="Euphemia"/>
+        <a:font script="Cher" typeface="Plantagenet Cherokee"/>
+        <a:font script="Yiii" typeface="Microsoft Yi Baiti"/>
+        <a:font script="Tibt" typeface="Microsoft Himalaya"/>
+        <a:font script="Thaa" typeface="MV Boli"/>
+        <a:font script="Deva" typeface="Mangal"/>
+        <a:font script="Telu" typeface="Gautami"/>
+        <a:font script="Taml" typeface="Latha"/>
+        <a:font script="Syrc" typeface="Estrangelo Edessa"/>
+        <a:font script="Orya" typeface="Kalinga"/>
+        <a:font script="Mlym" typeface="Kartika"/>
+        <a:font script="Laoo" typeface="DokChampa"/>
+        <a:font script="Sinh" typeface="Iskoola Pota"/>
+        <a:font script="Mong" typeface="Mongolian Baiti"/>
+        <a:font script="Viet" typeface="Arial"/>
+        <a:font script="Uigh" typeface="Microsoft Uighur"/>
+        <a:font script="Geor" typeface="Sylfaen"/>
+        <a:font script="Armn" typeface="Arial"/>
+        <a:font script="Bugi" typeface="Leelawadee UI"/>
+        <a:font script="Bopo" typeface="Microsoft JhengHei"/>
+        <a:font script="Java" typeface="Javanese Text"/>
+        <a:font script="Lisu" typeface="Segoe UI"/>
+        <a:font script="Mymr" typeface="Myanmar Text"/>
+        <a:font script="Nkoo" typeface="Ebrima"/>
+        <a:font script="Olck" typeface="Nirmala UI"/>
+        <a:font script="Osma" typeface="Ebrima"/>
+        <a:font script="Phag" typeface="Phagspa"/>
+        <a:font script="Syrn" typeface="Estrangelo Edessa"/>
+        <a:font script="Syrj" typeface="Estrangelo Edessa"/>
+        <a:font script="Syre" typeface="Estrangelo Edessa"/>
+        <a:font script="Sora" typeface="Nirmala UI"/>
+        <a:font script="Tale" typeface="Microsoft Tai Le"/>
+        <a:font script="Talu" typeface="Microsoft New Tai Lue"/>
+        <a:font script="Tfng" typeface="Ebrima"/>
+      </a:minorFont>
+    </a:fontScheme>
+    <a:fmtScheme name="Office">
+      <a:fillStyleLst>
+        <a:solidFill>
+          <a:schemeClr val="phClr"/>
+        </a:solidFill>
+        <a:gradFill rotWithShape="1">
+          <a:gsLst>
+            <a:gs pos="0">
+              <a:schemeClr val="phClr">
+                <a:lumMod val="110000"/>
+                <a:satMod val="105000"/>
+                <a:tint val="67000"/>
+              </a:schemeClr>
+            </a:gs>
+            <a:gs pos="50000">
+              <a:schemeClr val="phClr">
+                <a:lumMod val="105000"/>
+                <a:satMod val="103000"/>
+                <a:tint val="73000"/>
+              </a:schemeClr>
+            </a:gs>
+            <a:gs pos="100000">
+              <a:schemeClr val="phClr">
+                <a:lumMod val="105000"/>
+                <a:satMod val="109000"/>
+                <a:tint val="81000"/>
+              </a:schemeClr>
+            </a:gs>
+          </a:gsLst>
+          <a:lin ang="5400000" scaled="0"/>
+        </a:gradFill>
+        <a:gradFill rotWithShape="1">
+          <a:gsLst>
+            <a:gs pos="0">
+              <a:schemeClr val="phClr">
+                <a:satMod val="103000"/>
+                <a:lumMod val="102000"/>
+                <a:tint val="94000"/>
+              </a:schemeClr>
+            </a:gs>
+            <a:gs pos="50000">
+              <a:schemeClr val="phClr">
+                <a:satMod val="110000"/>
+                <a:lumMod val="100000"/>
+                <a:shade val="100000"/>
+              </a:schemeClr>
+            </a:gs>
+            <a:gs pos="100000">
+              <a:schemeClr val="phClr">
+                <a:lumMod val="99000"/>
+                <a:satMod val="120000"/>
+                <a:shade val="78000"/>
+              </a:schemeClr>
+            </a:gs>
+          </a:gsLst>
+          <a:lin ang="5400000" scaled="0"/>
+        </a:gradFill>
+      </a:fillStyleLst>
+      <a:lnStyleLst>
+        <a:ln w="6350" cap="flat" cmpd="sng" algn="ctr">
+          <a:solidFill>
+            <a:schemeClr val="phClr"/>
+          </a:solidFill>
+          <a:prstDash val="solid"/>
+          <a:miter lim="800000"/>
+        </a:ln>
+        <a:ln w="12700" cap="flat" cmpd="sng" algn="ctr">
+          <a:solidFill>
+            <a:schemeClr val="phClr"/>
+          </a:solidFill>
+          <a:prstDash val="solid"/>
+          <a:miter lim="800000"/>
+        </a:ln>
+        <a:ln w="19050" cap="flat" cmpd="sng" algn="ctr">
+          <a:solidFill>
+            <a:schemeClr val="phClr"/>
+          </a:solidFill>
+          <a:prstDash val="solid"/>
+          <a:miter lim="800000"/>
+        </a:ln>
+      </a:lnStyleLst>
+      <a:effectStyleLst>
+        <a:effectStyle>
+          <a:effectLst/>
+        </a:effectStyle>
+        <a:effectStyle>
+          <a:effectLst/>
+        </a:effectStyle>
+        <a:effectStyle>
+          <a:effectLst>
+            <a:outerShdw blurRad="57150" dist="19050" dir="5400000" algn="ctr" rotWithShape="0">
+              <a:srgbClr val="000000">
+                <a:alpha val="63000"/>
+              </a:srgbClr>
+            </a:outerShdw>
+          </a:effectLst>
+        </a:effectStyle>
+      </a:effectStyleLst>
+      <a:bgFillStyleLst>
+        <a:solidFill>
+          <a:schemeClr val="phClr"/>
+        </a:solidFill>
+        <a:solidFill>
+          <a:schemeClr val="phClr">
+            <a:tint val="95000"/>
+            <a:satMod val="170000"/>
+          </a:schemeClr>
+        </a:solidFill>
+        <a:gradFill rotWithShape="1">
+          <a:gsLst>
+            <a:gs pos="0">
+              <a:schemeClr val="phClr">
+                <a:tint val="93000"/>
+                <a:satMod val="150000"/>
+                <a:shade val="98000"/>
+                <a:lumMod val="102000"/>
+              </a:schemeClr>
+            </a:gs>
+            <a:gs pos="50000">
+              <a:schemeClr val="phClr">
+                <a:tint val="98000"/>
+                <a:satMod val="130000"/>
+                <a:shade val="90000"/>
+                <a:lumMod val="103000"/>
+              </a:schemeClr>
+            </a:gs>
+            <a:gs pos="100000">
+              <a:schemeClr val="phClr">
+                <a:shade val="63000"/>
+                <a:satMod val="120000"/>
+              </a:schemeClr>
+            </a:gs>
+          </a:gsLst>
+          <a:lin ang="5400000" scaled="0"/>
+        </a:gradFill>
+      </a:bgFillStyleLst>
+    </a:fmtScheme>
+  </a:themeElements>
+  <a:objectDefaults/>
+  <a:extraClrSchemeLst/>
+  <a:extLst>
+    <a:ext uri="{05A4C25C-085E-4340-85A3-A5531E510DB2}">
+      <thm15:themeFamily xmlns:thm15="http://schemas.microsoft.com/office/thememl/2012/main" name="Office Theme" id="{62F939B6-93AF-4DB8-9C6B-D6C7DFDC589F}" vid="{4A3C46E8-61CC-4603-A589-7422A47A8E4A}"/>
+    </a:ext>
+  </a:extLst>
+</a:theme>
 </file>